--- a/MonteCarloWorldCup2018.pptx
+++ b/MonteCarloWorldCup2018.pptx
@@ -9,9 +9,11 @@
     <p:sldId id="257" r:id="rId3"/>
     <p:sldId id="259" r:id="rId4"/>
     <p:sldId id="258" r:id="rId5"/>
-    <p:sldId id="260" r:id="rId6"/>
-    <p:sldId id="261" r:id="rId7"/>
-    <p:sldId id="262" r:id="rId8"/>
+    <p:sldId id="264" r:id="rId6"/>
+    <p:sldId id="260" r:id="rId7"/>
+    <p:sldId id="265" r:id="rId8"/>
+    <p:sldId id="261" r:id="rId9"/>
+    <p:sldId id="263" r:id="rId10"/>
   </p:sldIdLst>
   <p:sldSz cx="12192000" cy="6858000"/>
   <p:notesSz cx="6858000" cy="9144000"/>
@@ -110,6 +112,11 @@
       </a:defRPr>
     </a:lvl9pPr>
   </p:defaultTextStyle>
+  <p:extLst>
+    <p:ext uri="{EFAFB233-063F-42B5-8137-9DF3F51BA10A}">
+      <p15:sldGuideLst xmlns:p15="http://schemas.microsoft.com/office/powerpoint/2012/main"/>
+    </p:ext>
+  </p:extLst>
 </p:presentation>
 </file>
 
@@ -448,7 +455,7 @@
           <a:p>
             <a:fld id="{DA0418CF-9665-4435-A195-0B93DCBC678D}" type="datetimeFigureOut">
               <a:rPr lang="en-US" smtClean="0"/>
-              <a:t>5/23/2018</a:t>
+              <a:t>5/25/2018</a:t>
             </a:fld>
             <a:endParaRPr lang="en-US"/>
           </a:p>
@@ -1541,7 +1548,7 @@
           <a:p>
             <a:fld id="{DA0418CF-9665-4435-A195-0B93DCBC678D}" type="datetimeFigureOut">
               <a:rPr lang="en-US" smtClean="0"/>
-              <a:t>5/23/2018</a:t>
+              <a:t>5/25/2018</a:t>
             </a:fld>
             <a:endParaRPr lang="en-US"/>
           </a:p>
@@ -2521,7 +2528,7 @@
           <a:p>
             <a:fld id="{DA0418CF-9665-4435-A195-0B93DCBC678D}" type="datetimeFigureOut">
               <a:rPr lang="en-US" smtClean="0"/>
-              <a:t>5/23/2018</a:t>
+              <a:t>5/25/2018</a:t>
             </a:fld>
             <a:endParaRPr lang="en-US"/>
           </a:p>
@@ -3655,7 +3662,7 @@
           <a:p>
             <a:fld id="{DA0418CF-9665-4435-A195-0B93DCBC678D}" type="datetimeFigureOut">
               <a:rPr lang="en-US" smtClean="0"/>
-              <a:t>5/23/2018</a:t>
+              <a:t>5/25/2018</a:t>
             </a:fld>
             <a:endParaRPr lang="en-US"/>
           </a:p>
@@ -4688,7 +4695,7 @@
           <a:p>
             <a:fld id="{DA0418CF-9665-4435-A195-0B93DCBC678D}" type="datetimeFigureOut">
               <a:rPr lang="en-US" smtClean="0"/>
-              <a:t>5/23/2018</a:t>
+              <a:t>5/25/2018</a:t>
             </a:fld>
             <a:endParaRPr lang="en-US"/>
           </a:p>
@@ -5348,7 +5355,7 @@
           <a:p>
             <a:fld id="{DA0418CF-9665-4435-A195-0B93DCBC678D}" type="datetimeFigureOut">
               <a:rPr lang="en-US" smtClean="0"/>
-              <a:t>5/23/2018</a:t>
+              <a:t>5/25/2018</a:t>
             </a:fld>
             <a:endParaRPr lang="en-US"/>
           </a:p>
@@ -6209,7 +6216,7 @@
           <a:p>
             <a:fld id="{DA0418CF-9665-4435-A195-0B93DCBC678D}" type="datetimeFigureOut">
               <a:rPr lang="en-US" smtClean="0"/>
-              <a:t>5/23/2018</a:t>
+              <a:t>5/25/2018</a:t>
             </a:fld>
             <a:endParaRPr lang="en-US"/>
           </a:p>
@@ -6399,7 +6406,7 @@
           <a:p>
             <a:fld id="{DA0418CF-9665-4435-A195-0B93DCBC678D}" type="datetimeFigureOut">
               <a:rPr lang="en-US" smtClean="0"/>
-              <a:t>5/23/2018</a:t>
+              <a:t>5/25/2018</a:t>
             </a:fld>
             <a:endParaRPr lang="en-US"/>
           </a:p>
@@ -7371,7 +7378,7 @@
           <a:p>
             <a:fld id="{DA0418CF-9665-4435-A195-0B93DCBC678D}" type="datetimeFigureOut">
               <a:rPr lang="en-US" smtClean="0"/>
-              <a:t>5/23/2018</a:t>
+              <a:t>5/25/2018</a:t>
             </a:fld>
             <a:endParaRPr lang="en-US"/>
           </a:p>
@@ -7582,7 +7589,7 @@
           <a:p>
             <a:fld id="{DA0418CF-9665-4435-A195-0B93DCBC678D}" type="datetimeFigureOut">
               <a:rPr lang="en-US" smtClean="0"/>
-              <a:t>5/23/2018</a:t>
+              <a:t>5/25/2018</a:t>
             </a:fld>
             <a:endParaRPr lang="en-US"/>
           </a:p>
@@ -8616,7 +8623,7 @@
           <a:p>
             <a:fld id="{DA0418CF-9665-4435-A195-0B93DCBC678D}" type="datetimeFigureOut">
               <a:rPr lang="en-US" smtClean="0"/>
-              <a:t>5/23/2018</a:t>
+              <a:t>5/25/2018</a:t>
             </a:fld>
             <a:endParaRPr lang="en-US"/>
           </a:p>
@@ -8888,7 +8895,7 @@
           <a:p>
             <a:fld id="{DA0418CF-9665-4435-A195-0B93DCBC678D}" type="datetimeFigureOut">
               <a:rPr lang="en-US" smtClean="0"/>
-              <a:t>5/23/2018</a:t>
+              <a:t>5/25/2018</a:t>
             </a:fld>
             <a:endParaRPr lang="en-US"/>
           </a:p>
@@ -9298,7 +9305,7 @@
           <a:p>
             <a:fld id="{DA0418CF-9665-4435-A195-0B93DCBC678D}" type="datetimeFigureOut">
               <a:rPr lang="en-US" smtClean="0"/>
-              <a:t>5/23/2018</a:t>
+              <a:t>5/25/2018</a:t>
             </a:fld>
             <a:endParaRPr lang="en-US"/>
           </a:p>
@@ -9425,7 +9432,7 @@
           <a:p>
             <a:fld id="{DA0418CF-9665-4435-A195-0B93DCBC678D}" type="datetimeFigureOut">
               <a:rPr lang="en-US" smtClean="0"/>
-              <a:t>5/23/2018</a:t>
+              <a:t>5/25/2018</a:t>
             </a:fld>
             <a:endParaRPr lang="en-US"/>
           </a:p>
@@ -9520,7 +9527,7 @@
           <a:p>
             <a:fld id="{DA0418CF-9665-4435-A195-0B93DCBC678D}" type="datetimeFigureOut">
               <a:rPr lang="en-US" smtClean="0"/>
-              <a:t>5/23/2018</a:t>
+              <a:t>5/25/2018</a:t>
             </a:fld>
             <a:endParaRPr lang="en-US"/>
           </a:p>
@@ -10606,7 +10613,7 @@
           <a:p>
             <a:fld id="{DA0418CF-9665-4435-A195-0B93DCBC678D}" type="datetimeFigureOut">
               <a:rPr lang="en-US" smtClean="0"/>
-              <a:t>5/23/2018</a:t>
+              <a:t>5/25/2018</a:t>
             </a:fld>
             <a:endParaRPr lang="en-US"/>
           </a:p>
@@ -11719,7 +11726,7 @@
           <a:p>
             <a:fld id="{DA0418CF-9665-4435-A195-0B93DCBC678D}" type="datetimeFigureOut">
               <a:rPr lang="en-US" smtClean="0"/>
-              <a:t>5/23/2018</a:t>
+              <a:t>5/25/2018</a:t>
             </a:fld>
             <a:endParaRPr lang="en-US"/>
           </a:p>
@@ -12716,7 +12723,7 @@
           <a:p>
             <a:fld id="{DA0418CF-9665-4435-A195-0B93DCBC678D}" type="datetimeFigureOut">
               <a:rPr lang="en-US" smtClean="0"/>
-              <a:t>5/23/2018</a:t>
+              <a:t>5/25/2018</a:t>
             </a:fld>
             <a:endParaRPr lang="en-US"/>
           </a:p>
@@ -13331,7 +13338,7 @@
           <a:p>
             <a:r>
               <a:rPr lang="en-US" dirty="0"/>
-              <a:t>Using Monte Carlo EXPERIMENT</a:t>
+              <a:t>Using the Monte Carlo method</a:t>
             </a:r>
           </a:p>
         </p:txBody>
@@ -13415,10 +13422,84 @@
           <a:bodyPr/>
           <a:lstStyle/>
           <a:p>
-            <a:endParaRPr lang="en-US"/>
+            <a:r>
+              <a:rPr lang="en-US" dirty="0"/>
+              <a:t>World Cup is an event that takes place every 4 years.</a:t>
+            </a:r>
+          </a:p>
+          <a:p>
+            <a:r>
+              <a:rPr lang="en-US" dirty="0"/>
+              <a:t>Largest international soccer tournament.</a:t>
+            </a:r>
+          </a:p>
+          <a:p>
+            <a:r>
+              <a:rPr lang="en-US" dirty="0"/>
+              <a:t>Largest sport event in the world. </a:t>
+            </a:r>
+          </a:p>
+          <a:p>
+            <a:r>
+              <a:rPr lang="en-US" dirty="0"/>
+              <a:t>32 teams from all continents compete.</a:t>
+            </a:r>
+          </a:p>
+          <a:p>
+            <a:r>
+              <a:rPr lang="en-US" dirty="0"/>
+              <a:t>A total of 64 games are played.</a:t>
+            </a:r>
           </a:p>
         </p:txBody>
       </p:sp>
+      <p:pic>
+        <p:nvPicPr>
+          <p:cNvPr id="1026" name="Picture 2" descr="2018 FIFA World Cup.svg">
+            <a:extLst>
+              <a:ext uri="{FF2B5EF4-FFF2-40B4-BE49-F238E27FC236}">
+                <a16:creationId xmlns:a16="http://schemas.microsoft.com/office/drawing/2014/main" id="{55B013C2-E8AA-4E6D-8720-14EF66EAC3D6}"/>
+              </a:ext>
+            </a:extLst>
+          </p:cNvPr>
+          <p:cNvPicPr>
+            <a:picLocks noChangeAspect="1" noChangeArrowheads="1"/>
+          </p:cNvPicPr>
+          <p:nvPr/>
+        </p:nvPicPr>
+        <p:blipFill>
+          <a:blip r:embed="rId2">
+            <a:extLst>
+              <a:ext uri="{28A0092B-C50C-407E-A947-70E740481C1C}">
+                <a14:useLocalDpi xmlns:a14="http://schemas.microsoft.com/office/drawing/2010/main" val="0"/>
+              </a:ext>
+            </a:extLst>
+          </a:blip>
+          <a:srcRect/>
+          <a:stretch>
+            <a:fillRect/>
+          </a:stretch>
+        </p:blipFill>
+        <p:spPr bwMode="auto">
+          <a:xfrm>
+            <a:off x="7860166" y="2603500"/>
+            <a:ext cx="2676525" cy="2952750"/>
+          </a:xfrm>
+          <a:prstGeom prst="rect">
+            <a:avLst/>
+          </a:prstGeom>
+          <a:noFill/>
+          <a:extLst>
+            <a:ext uri="{909E8E84-426E-40DD-AFC4-6F175D3DCCD1}">
+              <a14:hiddenFill xmlns:a14="http://schemas.microsoft.com/office/drawing/2010/main">
+                <a:solidFill>
+                  <a:srgbClr val="FFFFFF"/>
+                </a:solidFill>
+              </a14:hiddenFill>
+            </a:ext>
+          </a:extLst>
+        </p:spPr>
+      </p:pic>
     </p:spTree>
     <p:extLst>
       <p:ext uri="{BB962C8B-B14F-4D97-AF65-F5344CB8AC3E}">
@@ -13498,7 +13579,70 @@
           <a:bodyPr/>
           <a:lstStyle/>
           <a:p>
-            <a:endParaRPr lang="en-US"/>
+            <a:r>
+              <a:rPr lang="en-US" dirty="0"/>
+              <a:t>Teams are split into a </a:t>
+            </a:r>
+            <a:r>
+              <a:rPr lang="en-US" b="1" dirty="0"/>
+              <a:t>4 different categories </a:t>
+            </a:r>
+            <a:r>
+              <a:rPr lang="en-US" dirty="0"/>
+              <a:t>based on their FIFA ranking.</a:t>
+            </a:r>
+          </a:p>
+          <a:p>
+            <a:r>
+              <a:rPr lang="en-US" dirty="0"/>
+              <a:t>Each team is randomly placed in one of the </a:t>
+            </a:r>
+            <a:r>
+              <a:rPr lang="en-US" b="1" dirty="0"/>
+              <a:t>8 letter groups</a:t>
+            </a:r>
+            <a:r>
+              <a:rPr lang="en-US" dirty="0"/>
+              <a:t>.</a:t>
+            </a:r>
+          </a:p>
+          <a:p>
+            <a:r>
+              <a:rPr lang="en-US" b="1" dirty="0"/>
+              <a:t>48 games</a:t>
+            </a:r>
+            <a:r>
+              <a:rPr lang="en-US" dirty="0"/>
+              <a:t> in the group stage, 6 per group.</a:t>
+            </a:r>
+          </a:p>
+          <a:p>
+            <a:r>
+              <a:rPr lang="en-US" dirty="0"/>
+              <a:t>The </a:t>
+            </a:r>
+            <a:r>
+              <a:rPr lang="en-US" b="1" dirty="0"/>
+              <a:t>best two teams </a:t>
+            </a:r>
+            <a:r>
+              <a:rPr lang="en-US" dirty="0"/>
+              <a:t>in each group get selected to move to the round of 16. At this point the team that loses a game is eliminated. </a:t>
+            </a:r>
+          </a:p>
+          <a:p>
+            <a:r>
+              <a:rPr lang="en-US" dirty="0"/>
+              <a:t>After winning 3 games the team makes it to the </a:t>
+            </a:r>
+            <a:r>
+              <a:rPr lang="en-US" b="1" dirty="0"/>
+              <a:t>World Cup final</a:t>
+            </a:r>
+            <a:r>
+              <a:rPr lang="en-US" dirty="0"/>
+              <a:t>.</a:t>
+            </a:r>
           </a:p>
         </p:txBody>
       </p:sp>
@@ -13555,7 +13699,7 @@
           <a:p>
             <a:r>
               <a:rPr lang="en-US" dirty="0"/>
-              <a:t>Monte Carlo Experiment</a:t>
+              <a:t>Monte Carlo Method</a:t>
             </a:r>
           </a:p>
         </p:txBody>
@@ -13581,7 +13725,40 @@
           <a:bodyPr/>
           <a:lstStyle/>
           <a:p>
-            <a:endParaRPr lang="en-US"/>
+            <a:r>
+              <a:rPr lang="en-US" b="1" dirty="0"/>
+              <a:t>Monte Carlo methods </a:t>
+            </a:r>
+            <a:r>
+              <a:rPr lang="en-US" dirty="0"/>
+              <a:t>are a broad class of computational algorithms that rely on repeated random sampling to obtain numerical results. </a:t>
+            </a:r>
+          </a:p>
+          <a:p>
+            <a:r>
+              <a:rPr lang="en-US" dirty="0"/>
+              <a:t>Used for optimization, numerical integration, and </a:t>
+            </a:r>
+            <a:r>
+              <a:rPr lang="en-US" b="1" dirty="0"/>
+              <a:t>generating draws from a probability distribution</a:t>
+            </a:r>
+            <a:r>
+              <a:rPr lang="en-US" dirty="0"/>
+              <a:t>.</a:t>
+            </a:r>
+          </a:p>
+          <a:p>
+            <a:r>
+              <a:rPr lang="en-US" dirty="0"/>
+              <a:t>A better team is still more likely to win and move on than its lower ranked opponent.</a:t>
+            </a:r>
+          </a:p>
+          <a:p>
+            <a:r>
+              <a:rPr lang="en-US" dirty="0"/>
+              <a:t>Run 10,000 simulations and count how many times each team made it to the different stages.</a:t>
+            </a:r>
           </a:p>
         </p:txBody>
       </p:sp>
@@ -13620,6 +13797,202 @@
           <p:cNvPr id="2" name="Title 1">
             <a:extLst>
               <a:ext uri="{FF2B5EF4-FFF2-40B4-BE49-F238E27FC236}">
+                <a16:creationId xmlns:a16="http://schemas.microsoft.com/office/drawing/2014/main" id="{F849ABAD-FDD3-4EF7-B957-048FC6817BAD}"/>
+              </a:ext>
+            </a:extLst>
+          </p:cNvPr>
+          <p:cNvSpPr>
+            <a:spLocks noGrp="1"/>
+          </p:cNvSpPr>
+          <p:nvPr>
+            <p:ph type="title"/>
+          </p:nvPr>
+        </p:nvSpPr>
+        <p:spPr/>
+        <p:txBody>
+          <a:bodyPr/>
+          <a:lstStyle/>
+          <a:p>
+            <a:r>
+              <a:rPr lang="en-US" dirty="0"/>
+              <a:t>Elo rating system</a:t>
+            </a:r>
+          </a:p>
+        </p:txBody>
+      </p:sp>
+      <p:sp>
+        <p:nvSpPr>
+          <p:cNvPr id="3" name="Content Placeholder 2">
+            <a:extLst>
+              <a:ext uri="{FF2B5EF4-FFF2-40B4-BE49-F238E27FC236}">
+                <a16:creationId xmlns:a16="http://schemas.microsoft.com/office/drawing/2014/main" id="{9356B2B9-C3FD-4B7A-9921-63C7EBF61DB2}"/>
+              </a:ext>
+            </a:extLst>
+          </p:cNvPr>
+          <p:cNvSpPr>
+            <a:spLocks noGrp="1"/>
+          </p:cNvSpPr>
+          <p:nvPr>
+            <p:ph idx="1"/>
+          </p:nvPr>
+        </p:nvSpPr>
+        <p:spPr/>
+        <p:txBody>
+          <a:bodyPr>
+            <a:normAutofit/>
+          </a:bodyPr>
+          <a:lstStyle/>
+          <a:p>
+            <a:r>
+              <a:rPr lang="en-US" dirty="0"/>
+              <a:t>The Elo rating system is a method for </a:t>
+            </a:r>
+            <a:r>
+              <a:rPr lang="en-US" b="1" dirty="0"/>
+              <a:t>calculating the relative skill levels </a:t>
+            </a:r>
+            <a:r>
+              <a:rPr lang="en-US" dirty="0"/>
+              <a:t>of players in zero-sum games such as chess.</a:t>
+            </a:r>
+          </a:p>
+          <a:p>
+            <a:r>
+              <a:rPr lang="en-US" dirty="0"/>
+              <a:t>It has gained popularity as a rating system and now is used in competitive video games and sports. </a:t>
+            </a:r>
+          </a:p>
+          <a:p>
+            <a:r>
+              <a:rPr lang="en-US" dirty="0"/>
+              <a:t>The difference in the ratings between two players serves as a predictor of the outcome of a match. </a:t>
+            </a:r>
+          </a:p>
+          <a:p>
+            <a:r>
+              <a:rPr lang="el-GR" b="1" dirty="0"/>
+              <a:t>Δ</a:t>
+            </a:r>
+            <a:r>
+              <a:rPr lang="en-US" b="1" dirty="0"/>
+              <a:t>100 points  </a:t>
+            </a:r>
+            <a:r>
+              <a:rPr lang="en-US" dirty="0">
+                <a:sym typeface="Wingdings" panose="05000000000000000000" pitchFamily="2" charset="2"/>
+              </a:rPr>
+              <a:t> </a:t>
+            </a:r>
+            <a:r>
+              <a:rPr lang="en-US" dirty="0"/>
+              <a:t>expected score for the stronger player is </a:t>
+            </a:r>
+            <a:r>
+              <a:rPr lang="en-US" b="1" dirty="0"/>
+              <a:t>64%</a:t>
+            </a:r>
+          </a:p>
+          <a:p>
+            <a:r>
+              <a:rPr lang="el-GR" b="1" dirty="0"/>
+              <a:t>Δ </a:t>
+            </a:r>
+            <a:r>
+              <a:rPr lang="en-US" b="1" dirty="0"/>
+              <a:t>200 points </a:t>
+            </a:r>
+            <a:r>
+              <a:rPr lang="en-US" dirty="0">
+                <a:sym typeface="Wingdings" panose="05000000000000000000" pitchFamily="2" charset="2"/>
+              </a:rPr>
+              <a:t></a:t>
+            </a:r>
+            <a:r>
+              <a:rPr lang="en-US" dirty="0"/>
+              <a:t> expected score for the stronger player is </a:t>
+            </a:r>
+            <a:r>
+              <a:rPr lang="en-US" b="1" dirty="0"/>
+              <a:t>76%</a:t>
+            </a:r>
+            <a:r>
+              <a:rPr lang="en-US" dirty="0"/>
+              <a:t>.</a:t>
+            </a:r>
+          </a:p>
+          <a:p>
+            <a:endParaRPr lang="en-US" dirty="0"/>
+          </a:p>
+          <a:p>
+            <a:endParaRPr lang="en-US" dirty="0"/>
+          </a:p>
+        </p:txBody>
+      </p:sp>
+      <p:pic>
+        <p:nvPicPr>
+          <p:cNvPr id="5" name="Picture 4">
+            <a:extLst>
+              <a:ext uri="{FF2B5EF4-FFF2-40B4-BE49-F238E27FC236}">
+                <a16:creationId xmlns:a16="http://schemas.microsoft.com/office/drawing/2014/main" id="{F97735EE-6EA1-48C0-92AF-E7A561F050B7}"/>
+              </a:ext>
+            </a:extLst>
+          </p:cNvPr>
+          <p:cNvPicPr>
+            <a:picLocks noChangeAspect="1"/>
+          </p:cNvPicPr>
+          <p:nvPr/>
+        </p:nvPicPr>
+        <p:blipFill>
+          <a:blip r:embed="rId2"/>
+          <a:stretch>
+            <a:fillRect/>
+          </a:stretch>
+        </p:blipFill>
+        <p:spPr>
+          <a:xfrm>
+            <a:off x="4301411" y="5388699"/>
+            <a:ext cx="2268603" cy="1120569"/>
+          </a:xfrm>
+          <a:prstGeom prst="rect">
+            <a:avLst/>
+          </a:prstGeom>
+        </p:spPr>
+      </p:pic>
+    </p:spTree>
+    <p:extLst>
+      <p:ext uri="{BB962C8B-B14F-4D97-AF65-F5344CB8AC3E}">
+        <p14:creationId xmlns:p14="http://schemas.microsoft.com/office/powerpoint/2010/main" val="4108348415"/>
+      </p:ext>
+    </p:extLst>
+  </p:cSld>
+  <p:clrMapOvr>
+    <a:masterClrMapping/>
+  </p:clrMapOvr>
+</p:sld>
+</file>
+
+<file path=ppt/slides/slide6.xml><?xml version="1.0" encoding="utf-8"?>
+<p:sld xmlns:a="http://schemas.openxmlformats.org/drawingml/2006/main" xmlns:r="http://schemas.openxmlformats.org/officeDocument/2006/relationships" xmlns:p="http://schemas.openxmlformats.org/presentationml/2006/main">
+  <p:cSld>
+    <p:spTree>
+      <p:nvGrpSpPr>
+        <p:cNvPr id="1" name=""/>
+        <p:cNvGrpSpPr/>
+        <p:nvPr/>
+      </p:nvGrpSpPr>
+      <p:grpSpPr>
+        <a:xfrm>
+          <a:off x="0" y="0"/>
+          <a:ext cx="0" cy="0"/>
+          <a:chOff x="0" y="0"/>
+          <a:chExt cx="0" cy="0"/>
+        </a:xfrm>
+      </p:grpSpPr>
+      <p:sp>
+        <p:nvSpPr>
+          <p:cNvPr id="2" name="Title 1">
+            <a:extLst>
+              <a:ext uri="{FF2B5EF4-FFF2-40B4-BE49-F238E27FC236}">
                 <a16:creationId xmlns:a16="http://schemas.microsoft.com/office/drawing/2014/main" id="{46777C8D-2995-4716-AF13-48F4EF95E058}"/>
               </a:ext>
             </a:extLst>
@@ -13638,7 +14011,7 @@
           <a:p>
             <a:r>
               <a:rPr lang="en-US" dirty="0"/>
-              <a:t>Assumptions</a:t>
+              <a:t>Assumptions/Simplifications</a:t>
             </a:r>
           </a:p>
         </p:txBody>
@@ -13664,7 +14037,40 @@
           <a:bodyPr/>
           <a:lstStyle/>
           <a:p>
-            <a:endParaRPr lang="en-US"/>
+            <a:r>
+              <a:rPr lang="en-US" b="1" dirty="0"/>
+              <a:t>No tied games </a:t>
+            </a:r>
+            <a:r>
+              <a:rPr lang="en-US" dirty="0"/>
+              <a:t>allowed in the group stage.</a:t>
+            </a:r>
+          </a:p>
+          <a:p>
+            <a:r>
+              <a:rPr lang="en-US" dirty="0"/>
+              <a:t>No goals, teams win or lose.</a:t>
+            </a:r>
+          </a:p>
+          <a:p>
+            <a:r>
+              <a:rPr lang="en-US" dirty="0"/>
+              <a:t>At the end of the group stage, if more than two teams end up tied for the top two positions, two will get </a:t>
+            </a:r>
+            <a:r>
+              <a:rPr lang="en-US" b="1" dirty="0"/>
+              <a:t>randomly selected to move forward.</a:t>
+            </a:r>
+          </a:p>
+          <a:p>
+            <a:r>
+              <a:rPr lang="en-US" b="1" dirty="0"/>
+              <a:t>Elo rating </a:t>
+            </a:r>
+            <a:r>
+              <a:rPr lang="en-US" dirty="0"/>
+              <a:t>is enough to predict the win rate between two teams.</a:t>
+            </a:r>
           </a:p>
         </p:txBody>
       </p:sp>
@@ -13681,7 +14087,90 @@
 </p:sld>
 </file>
 
-<file path=ppt/slides/slide6.xml><?xml version="1.0" encoding="utf-8"?>
+<file path=ppt/slides/slide7.xml><?xml version="1.0" encoding="utf-8"?>
+<p:sld xmlns:a="http://schemas.openxmlformats.org/drawingml/2006/main" xmlns:r="http://schemas.openxmlformats.org/officeDocument/2006/relationships" xmlns:p="http://schemas.openxmlformats.org/presentationml/2006/main">
+  <p:cSld>
+    <p:spTree>
+      <p:nvGrpSpPr>
+        <p:cNvPr id="1" name=""/>
+        <p:cNvGrpSpPr/>
+        <p:nvPr/>
+      </p:nvGrpSpPr>
+      <p:grpSpPr>
+        <a:xfrm>
+          <a:off x="0" y="0"/>
+          <a:ext cx="0" cy="0"/>
+          <a:chOff x="0" y="0"/>
+          <a:chExt cx="0" cy="0"/>
+        </a:xfrm>
+      </p:grpSpPr>
+      <p:sp>
+        <p:nvSpPr>
+          <p:cNvPr id="2" name="Title 1">
+            <a:extLst>
+              <a:ext uri="{FF2B5EF4-FFF2-40B4-BE49-F238E27FC236}">
+                <a16:creationId xmlns:a16="http://schemas.microsoft.com/office/drawing/2014/main" id="{5C4232FD-5C2B-40E8-AA6A-76C99385F52B}"/>
+              </a:ext>
+            </a:extLst>
+          </p:cNvPr>
+          <p:cNvSpPr>
+            <a:spLocks noGrp="1"/>
+          </p:cNvSpPr>
+          <p:nvPr>
+            <p:ph type="title"/>
+          </p:nvPr>
+        </p:nvSpPr>
+        <p:spPr/>
+        <p:txBody>
+          <a:bodyPr/>
+          <a:lstStyle/>
+          <a:p>
+            <a:r>
+              <a:rPr lang="en-US" dirty="0"/>
+              <a:t>Code..</a:t>
+            </a:r>
+          </a:p>
+        </p:txBody>
+      </p:sp>
+      <p:sp>
+        <p:nvSpPr>
+          <p:cNvPr id="3" name="Content Placeholder 2">
+            <a:extLst>
+              <a:ext uri="{FF2B5EF4-FFF2-40B4-BE49-F238E27FC236}">
+                <a16:creationId xmlns:a16="http://schemas.microsoft.com/office/drawing/2014/main" id="{EE9088CA-4BFF-437A-B4B1-769B7EFEA0EC}"/>
+              </a:ext>
+            </a:extLst>
+          </p:cNvPr>
+          <p:cNvSpPr>
+            <a:spLocks noGrp="1"/>
+          </p:cNvSpPr>
+          <p:nvPr>
+            <p:ph idx="1"/>
+          </p:nvPr>
+        </p:nvSpPr>
+        <p:spPr/>
+        <p:txBody>
+          <a:bodyPr/>
+          <a:lstStyle/>
+          <a:p>
+            <a:endParaRPr lang="en-US" dirty="0"/>
+          </a:p>
+        </p:txBody>
+      </p:sp>
+    </p:spTree>
+    <p:extLst>
+      <p:ext uri="{BB962C8B-B14F-4D97-AF65-F5344CB8AC3E}">
+        <p14:creationId xmlns:p14="http://schemas.microsoft.com/office/powerpoint/2010/main" val="1101092984"/>
+      </p:ext>
+    </p:extLst>
+  </p:cSld>
+  <p:clrMapOvr>
+    <a:masterClrMapping/>
+  </p:clrMapOvr>
+</p:sld>
+</file>
+
+<file path=ppt/slides/slide8.xml><?xml version="1.0" encoding="utf-8"?>
 <p:sld xmlns:a="http://schemas.openxmlformats.org/drawingml/2006/main" xmlns:r="http://schemas.openxmlformats.org/officeDocument/2006/relationships" xmlns:p="http://schemas.openxmlformats.org/presentationml/2006/main">
   <p:cSld>
     <p:spTree>
@@ -13726,31 +14215,1425 @@
           </a:p>
         </p:txBody>
       </p:sp>
-      <p:sp>
-        <p:nvSpPr>
-          <p:cNvPr id="3" name="Content Placeholder 2">
+      <p:graphicFrame>
+        <p:nvGraphicFramePr>
+          <p:cNvPr id="5" name="Content Placeholder 4">
             <a:extLst>
               <a:ext uri="{FF2B5EF4-FFF2-40B4-BE49-F238E27FC236}">
-                <a16:creationId xmlns:a16="http://schemas.microsoft.com/office/drawing/2014/main" id="{173BF9E6-8D8F-4178-A5D8-E6572F8AA783}"/>
+                <a16:creationId xmlns:a16="http://schemas.microsoft.com/office/drawing/2014/main" id="{D422660A-A1E2-4DC4-B920-0C69AD5F920D}"/>
               </a:ext>
             </a:extLst>
           </p:cNvPr>
-          <p:cNvSpPr>
-            <a:spLocks noGrp="1"/>
-          </p:cNvSpPr>
+          <p:cNvGraphicFramePr>
+            <a:graphicFrameLocks noGrp="1"/>
+          </p:cNvGraphicFramePr>
           <p:nvPr>
             <p:ph idx="1"/>
           </p:nvPr>
-        </p:nvSpPr>
-        <p:spPr/>
-        <p:txBody>
-          <a:bodyPr/>
-          <a:lstStyle/>
-          <a:p>
-            <a:endParaRPr lang="en-US"/>
-          </a:p>
-        </p:txBody>
-      </p:sp>
+        </p:nvGraphicFramePr>
+        <p:xfrm>
+          <a:off x="1370806" y="3511550"/>
+          <a:ext cx="8394700" cy="1600200"/>
+        </p:xfrm>
+        <a:graphic>
+          <a:graphicData uri="http://schemas.openxmlformats.org/drawingml/2006/table">
+            <a:tbl>
+              <a:tblPr>
+                <a:tableStyleId>{5C22544A-7EE6-4342-B048-85BDC9FD1C3A}</a:tableStyleId>
+              </a:tblPr>
+              <a:tblGrid>
+                <a:gridCol w="1094547">
+                  <a:extLst>
+                    <a:ext uri="{9D8B030D-6E8A-4147-A177-3AD203B41FA5}">
+                      <a16:colId xmlns:a16="http://schemas.microsoft.com/office/drawing/2014/main" val="3689015652"/>
+                    </a:ext>
+                  </a:extLst>
+                </a:gridCol>
+                <a:gridCol w="1763966">
+                  <a:extLst>
+                    <a:ext uri="{9D8B030D-6E8A-4147-A177-3AD203B41FA5}">
+                      <a16:colId xmlns:a16="http://schemas.microsoft.com/office/drawing/2014/main" val="2748209524"/>
+                    </a:ext>
+                  </a:extLst>
+                </a:gridCol>
+                <a:gridCol w="1725894">
+                  <a:extLst>
+                    <a:ext uri="{9D8B030D-6E8A-4147-A177-3AD203B41FA5}">
+                      <a16:colId xmlns:a16="http://schemas.microsoft.com/office/drawing/2014/main" val="3284026194"/>
+                    </a:ext>
+                  </a:extLst>
+                </a:gridCol>
+                <a:gridCol w="1256350">
+                  <a:extLst>
+                    <a:ext uri="{9D8B030D-6E8A-4147-A177-3AD203B41FA5}">
+                      <a16:colId xmlns:a16="http://schemas.microsoft.com/office/drawing/2014/main" val="2838793164"/>
+                    </a:ext>
+                  </a:extLst>
+                </a:gridCol>
+                <a:gridCol w="1116755">
+                  <a:extLst>
+                    <a:ext uri="{9D8B030D-6E8A-4147-A177-3AD203B41FA5}">
+                      <a16:colId xmlns:a16="http://schemas.microsoft.com/office/drawing/2014/main" val="1011852159"/>
+                    </a:ext>
+                  </a:extLst>
+                </a:gridCol>
+                <a:gridCol w="723353">
+                  <a:extLst>
+                    <a:ext uri="{9D8B030D-6E8A-4147-A177-3AD203B41FA5}">
+                      <a16:colId xmlns:a16="http://schemas.microsoft.com/office/drawing/2014/main" val="1775756007"/>
+                    </a:ext>
+                  </a:extLst>
+                </a:gridCol>
+                <a:gridCol w="713835">
+                  <a:extLst>
+                    <a:ext uri="{9D8B030D-6E8A-4147-A177-3AD203B41FA5}">
+                      <a16:colId xmlns:a16="http://schemas.microsoft.com/office/drawing/2014/main" val="1239064530"/>
+                    </a:ext>
+                  </a:extLst>
+                </a:gridCol>
+              </a:tblGrid>
+              <a:tr h="200025">
+                <a:tc>
+                  <a:txBody>
+                    <a:bodyPr/>
+                    <a:lstStyle/>
+                    <a:p>
+                      <a:pPr algn="l" fontAlgn="b"/>
+                      <a:endParaRPr lang="en-US" sz="1100" b="0" i="0" u="none" strike="noStrike" dirty="0">
+                        <a:solidFill>
+                          <a:srgbClr val="000000"/>
+                        </a:solidFill>
+                        <a:effectLst/>
+                        <a:latin typeface="Calibri" panose="020F0502020204030204" pitchFamily="34" charset="0"/>
+                      </a:endParaRPr>
+                    </a:p>
+                  </a:txBody>
+                  <a:tcPr marL="9525" marR="9525" marT="9525" marB="0" anchor="b"/>
+                </a:tc>
+                <a:tc>
+                  <a:txBody>
+                    <a:bodyPr/>
+                    <a:lstStyle/>
+                    <a:p>
+                      <a:pPr algn="l" fontAlgn="ctr"/>
+                      <a:r>
+                        <a:rPr lang="en-US" sz="1100" u="none" strike="noStrike">
+                          <a:effectLst/>
+                        </a:rPr>
+                        <a:t>Second_Group_Stage</a:t>
+                      </a:r>
+                      <a:endParaRPr lang="en-US" sz="1100" b="1" i="0" u="none" strike="noStrike">
+                        <a:solidFill>
+                          <a:srgbClr val="000000"/>
+                        </a:solidFill>
+                        <a:effectLst/>
+                        <a:latin typeface="Arial" panose="020B0604020202020204" pitchFamily="34" charset="0"/>
+                      </a:endParaRPr>
+                    </a:p>
+                  </a:txBody>
+                  <a:tcPr marL="171450" marR="9525" marT="9525" marB="0" anchor="ctr"/>
+                </a:tc>
+                <a:tc>
+                  <a:txBody>
+                    <a:bodyPr/>
+                    <a:lstStyle/>
+                    <a:p>
+                      <a:pPr algn="l" fontAlgn="ctr"/>
+                      <a:r>
+                        <a:rPr lang="en-US" sz="1100" u="none" strike="noStrike">
+                          <a:effectLst/>
+                        </a:rPr>
+                        <a:t>Winner_Group_Stage</a:t>
+                      </a:r>
+                      <a:endParaRPr lang="en-US" sz="1100" b="1" i="0" u="none" strike="noStrike">
+                        <a:solidFill>
+                          <a:srgbClr val="000000"/>
+                        </a:solidFill>
+                        <a:effectLst/>
+                        <a:latin typeface="Arial" panose="020B0604020202020204" pitchFamily="34" charset="0"/>
+                      </a:endParaRPr>
+                    </a:p>
+                  </a:txBody>
+                  <a:tcPr marL="171450" marR="9525" marT="9525" marB="0" anchor="ctr"/>
+                </a:tc>
+                <a:tc>
+                  <a:txBody>
+                    <a:bodyPr/>
+                    <a:lstStyle/>
+                    <a:p>
+                      <a:pPr algn="l" fontAlgn="ctr"/>
+                      <a:r>
+                        <a:rPr lang="en-US" sz="1100" u="none" strike="noStrike">
+                          <a:effectLst/>
+                        </a:rPr>
+                        <a:t>Quater-Finalist</a:t>
+                      </a:r>
+                      <a:endParaRPr lang="en-US" sz="1100" b="1" i="0" u="none" strike="noStrike">
+                        <a:solidFill>
+                          <a:srgbClr val="000000"/>
+                        </a:solidFill>
+                        <a:effectLst/>
+                        <a:latin typeface="Arial" panose="020B0604020202020204" pitchFamily="34" charset="0"/>
+                      </a:endParaRPr>
+                    </a:p>
+                  </a:txBody>
+                  <a:tcPr marL="171450" marR="9525" marT="9525" marB="0" anchor="ctr"/>
+                </a:tc>
+                <a:tc>
+                  <a:txBody>
+                    <a:bodyPr/>
+                    <a:lstStyle/>
+                    <a:p>
+                      <a:pPr algn="l" fontAlgn="ctr"/>
+                      <a:r>
+                        <a:rPr lang="en-US" sz="1100" u="none" strike="noStrike">
+                          <a:effectLst/>
+                        </a:rPr>
+                        <a:t>Semi-Finalist</a:t>
+                      </a:r>
+                      <a:endParaRPr lang="en-US" sz="1100" b="1" i="0" u="none" strike="noStrike">
+                        <a:solidFill>
+                          <a:srgbClr val="000000"/>
+                        </a:solidFill>
+                        <a:effectLst/>
+                        <a:latin typeface="Arial" panose="020B0604020202020204" pitchFamily="34" charset="0"/>
+                      </a:endParaRPr>
+                    </a:p>
+                  </a:txBody>
+                  <a:tcPr marL="171450" marR="9525" marT="9525" marB="0" anchor="ctr"/>
+                </a:tc>
+                <a:tc>
+                  <a:txBody>
+                    <a:bodyPr/>
+                    <a:lstStyle/>
+                    <a:p>
+                      <a:pPr algn="l" fontAlgn="ctr"/>
+                      <a:r>
+                        <a:rPr lang="en-US" sz="1100" u="none" strike="noStrike">
+                          <a:effectLst/>
+                        </a:rPr>
+                        <a:t>Finalist</a:t>
+                      </a:r>
+                      <a:endParaRPr lang="en-US" sz="1100" b="1" i="0" u="none" strike="noStrike">
+                        <a:solidFill>
+                          <a:srgbClr val="000000"/>
+                        </a:solidFill>
+                        <a:effectLst/>
+                        <a:latin typeface="Arial" panose="020B0604020202020204" pitchFamily="34" charset="0"/>
+                      </a:endParaRPr>
+                    </a:p>
+                  </a:txBody>
+                  <a:tcPr marL="171450" marR="9525" marT="9525" marB="0" anchor="ctr"/>
+                </a:tc>
+                <a:tc>
+                  <a:txBody>
+                    <a:bodyPr/>
+                    <a:lstStyle/>
+                    <a:p>
+                      <a:pPr algn="l" fontAlgn="ctr"/>
+                      <a:r>
+                        <a:rPr lang="en-US" sz="1100" u="none" strike="noStrike">
+                          <a:effectLst/>
+                        </a:rPr>
+                        <a:t>Winner</a:t>
+                      </a:r>
+                      <a:endParaRPr lang="en-US" sz="1100" b="1" i="0" u="none" strike="noStrike">
+                        <a:solidFill>
+                          <a:srgbClr val="000000"/>
+                        </a:solidFill>
+                        <a:effectLst/>
+                        <a:latin typeface="Arial" panose="020B0604020202020204" pitchFamily="34" charset="0"/>
+                      </a:endParaRPr>
+                    </a:p>
+                  </a:txBody>
+                  <a:tcPr marL="171450" marR="9525" marT="9525" marB="0" anchor="ctr"/>
+                </a:tc>
+                <a:extLst>
+                  <a:ext uri="{0D108BD9-81ED-4DB2-BD59-A6C34878D82A}">
+                    <a16:rowId xmlns:a16="http://schemas.microsoft.com/office/drawing/2014/main" val="1450660008"/>
+                  </a:ext>
+                </a:extLst>
+              </a:tr>
+              <a:tr h="200025">
+                <a:tc>
+                  <a:txBody>
+                    <a:bodyPr/>
+                    <a:lstStyle/>
+                    <a:p>
+                      <a:pPr algn="l" fontAlgn="ctr"/>
+                      <a:r>
+                        <a:rPr lang="en-US" sz="1100" u="none" strike="noStrike">
+                          <a:effectLst/>
+                        </a:rPr>
+                        <a:t>Country</a:t>
+                      </a:r>
+                      <a:endParaRPr lang="en-US" sz="1100" b="1" i="0" u="none" strike="noStrike">
+                        <a:solidFill>
+                          <a:srgbClr val="000000"/>
+                        </a:solidFill>
+                        <a:effectLst/>
+                        <a:latin typeface="Arial" panose="020B0604020202020204" pitchFamily="34" charset="0"/>
+                      </a:endParaRPr>
+                    </a:p>
+                  </a:txBody>
+                  <a:tcPr marL="171450" marR="9525" marT="9525" marB="0" anchor="ctr"/>
+                </a:tc>
+                <a:tc>
+                  <a:txBody>
+                    <a:bodyPr/>
+                    <a:lstStyle/>
+                    <a:p>
+                      <a:pPr algn="l" fontAlgn="ctr"/>
+                      <a:r>
+                        <a:rPr lang="en-US" sz="1100" u="none" strike="noStrike" dirty="0">
+                          <a:effectLst/>
+                        </a:rPr>
+                        <a:t> </a:t>
+                      </a:r>
+                      <a:endParaRPr lang="en-US" sz="1100" b="1" i="0" u="none" strike="noStrike" dirty="0">
+                        <a:solidFill>
+                          <a:srgbClr val="000000"/>
+                        </a:solidFill>
+                        <a:effectLst/>
+                        <a:latin typeface="Arial" panose="020B0604020202020204" pitchFamily="34" charset="0"/>
+                      </a:endParaRPr>
+                    </a:p>
+                  </a:txBody>
+                  <a:tcPr marL="171450" marR="9525" marT="9525" marB="0" anchor="ctr"/>
+                </a:tc>
+                <a:tc>
+                  <a:txBody>
+                    <a:bodyPr/>
+                    <a:lstStyle/>
+                    <a:p>
+                      <a:pPr algn="l" fontAlgn="ctr"/>
+                      <a:r>
+                        <a:rPr lang="en-US" sz="1100" u="none" strike="noStrike">
+                          <a:effectLst/>
+                        </a:rPr>
+                        <a:t> </a:t>
+                      </a:r>
+                      <a:endParaRPr lang="en-US" sz="1100" b="1" i="0" u="none" strike="noStrike">
+                        <a:solidFill>
+                          <a:srgbClr val="000000"/>
+                        </a:solidFill>
+                        <a:effectLst/>
+                        <a:latin typeface="Arial" panose="020B0604020202020204" pitchFamily="34" charset="0"/>
+                      </a:endParaRPr>
+                    </a:p>
+                  </a:txBody>
+                  <a:tcPr marL="171450" marR="9525" marT="9525" marB="0" anchor="ctr"/>
+                </a:tc>
+                <a:tc>
+                  <a:txBody>
+                    <a:bodyPr/>
+                    <a:lstStyle/>
+                    <a:p>
+                      <a:pPr algn="l" fontAlgn="ctr"/>
+                      <a:r>
+                        <a:rPr lang="en-US" sz="1100" u="none" strike="noStrike">
+                          <a:effectLst/>
+                        </a:rPr>
+                        <a:t> </a:t>
+                      </a:r>
+                      <a:endParaRPr lang="en-US" sz="1100" b="1" i="0" u="none" strike="noStrike">
+                        <a:solidFill>
+                          <a:srgbClr val="000000"/>
+                        </a:solidFill>
+                        <a:effectLst/>
+                        <a:latin typeface="Arial" panose="020B0604020202020204" pitchFamily="34" charset="0"/>
+                      </a:endParaRPr>
+                    </a:p>
+                  </a:txBody>
+                  <a:tcPr marL="171450" marR="9525" marT="9525" marB="0" anchor="ctr"/>
+                </a:tc>
+                <a:tc>
+                  <a:txBody>
+                    <a:bodyPr/>
+                    <a:lstStyle/>
+                    <a:p>
+                      <a:pPr algn="l" fontAlgn="ctr"/>
+                      <a:r>
+                        <a:rPr lang="en-US" sz="1100" u="none" strike="noStrike">
+                          <a:effectLst/>
+                        </a:rPr>
+                        <a:t> </a:t>
+                      </a:r>
+                      <a:endParaRPr lang="en-US" sz="1100" b="1" i="0" u="none" strike="noStrike">
+                        <a:solidFill>
+                          <a:srgbClr val="000000"/>
+                        </a:solidFill>
+                        <a:effectLst/>
+                        <a:latin typeface="Arial" panose="020B0604020202020204" pitchFamily="34" charset="0"/>
+                      </a:endParaRPr>
+                    </a:p>
+                  </a:txBody>
+                  <a:tcPr marL="171450" marR="9525" marT="9525" marB="0" anchor="ctr"/>
+                </a:tc>
+                <a:tc>
+                  <a:txBody>
+                    <a:bodyPr/>
+                    <a:lstStyle/>
+                    <a:p>
+                      <a:pPr algn="l" fontAlgn="ctr"/>
+                      <a:r>
+                        <a:rPr lang="en-US" sz="1100" u="none" strike="noStrike">
+                          <a:effectLst/>
+                        </a:rPr>
+                        <a:t> </a:t>
+                      </a:r>
+                      <a:endParaRPr lang="en-US" sz="1100" b="1" i="0" u="none" strike="noStrike">
+                        <a:solidFill>
+                          <a:srgbClr val="000000"/>
+                        </a:solidFill>
+                        <a:effectLst/>
+                        <a:latin typeface="Arial" panose="020B0604020202020204" pitchFamily="34" charset="0"/>
+                      </a:endParaRPr>
+                    </a:p>
+                  </a:txBody>
+                  <a:tcPr marL="171450" marR="9525" marT="9525" marB="0" anchor="ctr"/>
+                </a:tc>
+                <a:tc>
+                  <a:txBody>
+                    <a:bodyPr/>
+                    <a:lstStyle/>
+                    <a:p>
+                      <a:pPr algn="l" fontAlgn="ctr"/>
+                      <a:r>
+                        <a:rPr lang="en-US" sz="1100" u="none" strike="noStrike">
+                          <a:effectLst/>
+                        </a:rPr>
+                        <a:t> </a:t>
+                      </a:r>
+                      <a:endParaRPr lang="en-US" sz="1100" b="1" i="0" u="none" strike="noStrike">
+                        <a:solidFill>
+                          <a:srgbClr val="000000"/>
+                        </a:solidFill>
+                        <a:effectLst/>
+                        <a:latin typeface="Arial" panose="020B0604020202020204" pitchFamily="34" charset="0"/>
+                      </a:endParaRPr>
+                    </a:p>
+                  </a:txBody>
+                  <a:tcPr marL="171450" marR="9525" marT="9525" marB="0" anchor="ctr"/>
+                </a:tc>
+                <a:extLst>
+                  <a:ext uri="{0D108BD9-81ED-4DB2-BD59-A6C34878D82A}">
+                    <a16:rowId xmlns:a16="http://schemas.microsoft.com/office/drawing/2014/main" val="3338342494"/>
+                  </a:ext>
+                </a:extLst>
+              </a:tr>
+              <a:tr h="200025">
+                <a:tc>
+                  <a:txBody>
+                    <a:bodyPr/>
+                    <a:lstStyle/>
+                    <a:p>
+                      <a:pPr algn="l" fontAlgn="ctr"/>
+                      <a:r>
+                        <a:rPr lang="en-US" sz="1100" u="none" strike="noStrike" dirty="0">
+                          <a:effectLst/>
+                        </a:rPr>
+                        <a:t>Brazil</a:t>
+                      </a:r>
+                      <a:endParaRPr lang="en-US" sz="1100" b="1" i="0" u="none" strike="noStrike" dirty="0">
+                        <a:solidFill>
+                          <a:srgbClr val="000000"/>
+                        </a:solidFill>
+                        <a:effectLst/>
+                        <a:latin typeface="Arial" panose="020B0604020202020204" pitchFamily="34" charset="0"/>
+                      </a:endParaRPr>
+                    </a:p>
+                  </a:txBody>
+                  <a:tcPr marL="171450" marR="9525" marT="9525" marB="0" anchor="ctr"/>
+                </a:tc>
+                <a:tc>
+                  <a:txBody>
+                    <a:bodyPr/>
+                    <a:lstStyle/>
+                    <a:p>
+                      <a:pPr algn="l" fontAlgn="ctr"/>
+                      <a:r>
+                        <a:rPr lang="en-US" sz="1100" u="none" strike="noStrike">
+                          <a:effectLst/>
+                        </a:rPr>
+                        <a:t>19.27%</a:t>
+                      </a:r>
+                      <a:endParaRPr lang="en-US" sz="1100" b="0" i="0" u="none" strike="noStrike">
+                        <a:solidFill>
+                          <a:srgbClr val="000000"/>
+                        </a:solidFill>
+                        <a:effectLst/>
+                        <a:latin typeface="Arial" panose="020B0604020202020204" pitchFamily="34" charset="0"/>
+                      </a:endParaRPr>
+                    </a:p>
+                  </a:txBody>
+                  <a:tcPr marL="171450" marR="9525" marT="9525" marB="0" anchor="ctr"/>
+                </a:tc>
+                <a:tc>
+                  <a:txBody>
+                    <a:bodyPr/>
+                    <a:lstStyle/>
+                    <a:p>
+                      <a:pPr algn="l" fontAlgn="ctr"/>
+                      <a:r>
+                        <a:rPr lang="en-US" sz="1100" u="none" strike="noStrike">
+                          <a:effectLst/>
+                        </a:rPr>
+                        <a:t>74.08%</a:t>
+                      </a:r>
+                      <a:endParaRPr lang="en-US" sz="1100" b="0" i="0" u="none" strike="noStrike">
+                        <a:solidFill>
+                          <a:srgbClr val="000000"/>
+                        </a:solidFill>
+                        <a:effectLst/>
+                        <a:latin typeface="Arial" panose="020B0604020202020204" pitchFamily="34" charset="0"/>
+                      </a:endParaRPr>
+                    </a:p>
+                  </a:txBody>
+                  <a:tcPr marL="171450" marR="9525" marT="9525" marB="0" anchor="ctr"/>
+                </a:tc>
+                <a:tc>
+                  <a:txBody>
+                    <a:bodyPr/>
+                    <a:lstStyle/>
+                    <a:p>
+                      <a:pPr algn="l" fontAlgn="ctr"/>
+                      <a:r>
+                        <a:rPr lang="en-US" sz="1100" u="none" strike="noStrike">
+                          <a:effectLst/>
+                        </a:rPr>
+                        <a:t>70.26%</a:t>
+                      </a:r>
+                      <a:endParaRPr lang="en-US" sz="1100" b="0" i="0" u="none" strike="noStrike">
+                        <a:solidFill>
+                          <a:srgbClr val="000000"/>
+                        </a:solidFill>
+                        <a:effectLst/>
+                        <a:latin typeface="Arial" panose="020B0604020202020204" pitchFamily="34" charset="0"/>
+                      </a:endParaRPr>
+                    </a:p>
+                  </a:txBody>
+                  <a:tcPr marL="171450" marR="9525" marT="9525" marB="0" anchor="ctr"/>
+                </a:tc>
+                <a:tc>
+                  <a:txBody>
+                    <a:bodyPr/>
+                    <a:lstStyle/>
+                    <a:p>
+                      <a:pPr algn="l" fontAlgn="ctr"/>
+                      <a:r>
+                        <a:rPr lang="en-US" sz="1100" u="none" strike="noStrike">
+                          <a:effectLst/>
+                        </a:rPr>
+                        <a:t>55.46%</a:t>
+                      </a:r>
+                      <a:endParaRPr lang="en-US" sz="1100" b="0" i="0" u="none" strike="noStrike">
+                        <a:solidFill>
+                          <a:srgbClr val="000000"/>
+                        </a:solidFill>
+                        <a:effectLst/>
+                        <a:latin typeface="Arial" panose="020B0604020202020204" pitchFamily="34" charset="0"/>
+                      </a:endParaRPr>
+                    </a:p>
+                  </a:txBody>
+                  <a:tcPr marL="171450" marR="9525" marT="9525" marB="0" anchor="ctr"/>
+                </a:tc>
+                <a:tc>
+                  <a:txBody>
+                    <a:bodyPr/>
+                    <a:lstStyle/>
+                    <a:p>
+                      <a:pPr algn="l" fontAlgn="ctr"/>
+                      <a:r>
+                        <a:rPr lang="en-US" sz="1100" u="none" strike="noStrike">
+                          <a:effectLst/>
+                        </a:rPr>
+                        <a:t>40.23%</a:t>
+                      </a:r>
+                      <a:endParaRPr lang="en-US" sz="1100" b="0" i="0" u="none" strike="noStrike">
+                        <a:solidFill>
+                          <a:srgbClr val="000000"/>
+                        </a:solidFill>
+                        <a:effectLst/>
+                        <a:latin typeface="Arial" panose="020B0604020202020204" pitchFamily="34" charset="0"/>
+                      </a:endParaRPr>
+                    </a:p>
+                  </a:txBody>
+                  <a:tcPr marL="171450" marR="9525" marT="9525" marB="0" anchor="ctr"/>
+                </a:tc>
+                <a:tc>
+                  <a:txBody>
+                    <a:bodyPr/>
+                    <a:lstStyle/>
+                    <a:p>
+                      <a:pPr algn="l" fontAlgn="ctr"/>
+                      <a:r>
+                        <a:rPr lang="en-US" sz="1100" u="none" strike="noStrike">
+                          <a:effectLst/>
+                        </a:rPr>
+                        <a:t>26.76%</a:t>
+                      </a:r>
+                      <a:endParaRPr lang="en-US" sz="1100" b="0" i="0" u="none" strike="noStrike">
+                        <a:solidFill>
+                          <a:srgbClr val="000000"/>
+                        </a:solidFill>
+                        <a:effectLst/>
+                        <a:latin typeface="Arial" panose="020B0604020202020204" pitchFamily="34" charset="0"/>
+                      </a:endParaRPr>
+                    </a:p>
+                  </a:txBody>
+                  <a:tcPr marL="171450" marR="9525" marT="9525" marB="0" anchor="ctr"/>
+                </a:tc>
+                <a:extLst>
+                  <a:ext uri="{0D108BD9-81ED-4DB2-BD59-A6C34878D82A}">
+                    <a16:rowId xmlns:a16="http://schemas.microsoft.com/office/drawing/2014/main" val="3740422733"/>
+                  </a:ext>
+                </a:extLst>
+              </a:tr>
+              <a:tr h="200025">
+                <a:tc>
+                  <a:txBody>
+                    <a:bodyPr/>
+                    <a:lstStyle/>
+                    <a:p>
+                      <a:pPr algn="l" fontAlgn="ctr"/>
+                      <a:r>
+                        <a:rPr lang="en-US" sz="1100" u="none" strike="noStrike">
+                          <a:effectLst/>
+                        </a:rPr>
+                        <a:t>Germany</a:t>
+                      </a:r>
+                      <a:endParaRPr lang="en-US" sz="1100" b="1" i="0" u="none" strike="noStrike">
+                        <a:solidFill>
+                          <a:srgbClr val="000000"/>
+                        </a:solidFill>
+                        <a:effectLst/>
+                        <a:latin typeface="Arial" panose="020B0604020202020204" pitchFamily="34" charset="0"/>
+                      </a:endParaRPr>
+                    </a:p>
+                  </a:txBody>
+                  <a:tcPr marL="171450" marR="9525" marT="9525" marB="0" anchor="ctr"/>
+                </a:tc>
+                <a:tc>
+                  <a:txBody>
+                    <a:bodyPr/>
+                    <a:lstStyle/>
+                    <a:p>
+                      <a:pPr algn="l" fontAlgn="ctr"/>
+                      <a:r>
+                        <a:rPr lang="en-US" sz="1100" u="none" strike="noStrike">
+                          <a:effectLst/>
+                        </a:rPr>
+                        <a:t>20.73%</a:t>
+                      </a:r>
+                      <a:endParaRPr lang="en-US" sz="1100" b="0" i="0" u="none" strike="noStrike">
+                        <a:solidFill>
+                          <a:srgbClr val="000000"/>
+                        </a:solidFill>
+                        <a:effectLst/>
+                        <a:latin typeface="Arial" panose="020B0604020202020204" pitchFamily="34" charset="0"/>
+                      </a:endParaRPr>
+                    </a:p>
+                  </a:txBody>
+                  <a:tcPr marL="171450" marR="9525" marT="9525" marB="0" anchor="ctr"/>
+                </a:tc>
+                <a:tc>
+                  <a:txBody>
+                    <a:bodyPr/>
+                    <a:lstStyle/>
+                    <a:p>
+                      <a:pPr algn="l" fontAlgn="ctr"/>
+                      <a:r>
+                        <a:rPr lang="en-US" sz="1100" u="none" strike="noStrike">
+                          <a:effectLst/>
+                        </a:rPr>
+                        <a:t>69.95%</a:t>
+                      </a:r>
+                      <a:endParaRPr lang="en-US" sz="1100" b="0" i="0" u="none" strike="noStrike">
+                        <a:solidFill>
+                          <a:srgbClr val="000000"/>
+                        </a:solidFill>
+                        <a:effectLst/>
+                        <a:latin typeface="Arial" panose="020B0604020202020204" pitchFamily="34" charset="0"/>
+                      </a:endParaRPr>
+                    </a:p>
+                  </a:txBody>
+                  <a:tcPr marL="171450" marR="9525" marT="9525" marB="0" anchor="ctr"/>
+                </a:tc>
+                <a:tc>
+                  <a:txBody>
+                    <a:bodyPr/>
+                    <a:lstStyle/>
+                    <a:p>
+                      <a:pPr algn="l" fontAlgn="ctr"/>
+                      <a:r>
+                        <a:rPr lang="en-US" sz="1100" u="none" strike="noStrike">
+                          <a:effectLst/>
+                        </a:rPr>
+                        <a:t>64.20%</a:t>
+                      </a:r>
+                      <a:endParaRPr lang="en-US" sz="1100" b="0" i="0" u="none" strike="noStrike">
+                        <a:solidFill>
+                          <a:srgbClr val="000000"/>
+                        </a:solidFill>
+                        <a:effectLst/>
+                        <a:latin typeface="Arial" panose="020B0604020202020204" pitchFamily="34" charset="0"/>
+                      </a:endParaRPr>
+                    </a:p>
+                  </a:txBody>
+                  <a:tcPr marL="171450" marR="9525" marT="9525" marB="0" anchor="ctr"/>
+                </a:tc>
+                <a:tc>
+                  <a:txBody>
+                    <a:bodyPr/>
+                    <a:lstStyle/>
+                    <a:p>
+                      <a:pPr algn="l" fontAlgn="ctr"/>
+                      <a:r>
+                        <a:rPr lang="en-US" sz="1100" u="none" strike="noStrike">
+                          <a:effectLst/>
+                        </a:rPr>
+                        <a:t>48.17%</a:t>
+                      </a:r>
+                      <a:endParaRPr lang="en-US" sz="1100" b="0" i="0" u="none" strike="noStrike">
+                        <a:solidFill>
+                          <a:srgbClr val="000000"/>
+                        </a:solidFill>
+                        <a:effectLst/>
+                        <a:latin typeface="Arial" panose="020B0604020202020204" pitchFamily="34" charset="0"/>
+                      </a:endParaRPr>
+                    </a:p>
+                  </a:txBody>
+                  <a:tcPr marL="171450" marR="9525" marT="9525" marB="0" anchor="ctr"/>
+                </a:tc>
+                <a:tc>
+                  <a:txBody>
+                    <a:bodyPr/>
+                    <a:lstStyle/>
+                    <a:p>
+                      <a:pPr algn="l" fontAlgn="ctr"/>
+                      <a:r>
+                        <a:rPr lang="en-US" sz="1100" u="none" strike="noStrike">
+                          <a:effectLst/>
+                        </a:rPr>
+                        <a:t>32.34%</a:t>
+                      </a:r>
+                      <a:endParaRPr lang="en-US" sz="1100" b="0" i="0" u="none" strike="noStrike">
+                        <a:solidFill>
+                          <a:srgbClr val="000000"/>
+                        </a:solidFill>
+                        <a:effectLst/>
+                        <a:latin typeface="Arial" panose="020B0604020202020204" pitchFamily="34" charset="0"/>
+                      </a:endParaRPr>
+                    </a:p>
+                  </a:txBody>
+                  <a:tcPr marL="171450" marR="9525" marT="9525" marB="0" anchor="ctr"/>
+                </a:tc>
+                <a:tc>
+                  <a:txBody>
+                    <a:bodyPr/>
+                    <a:lstStyle/>
+                    <a:p>
+                      <a:pPr algn="l" fontAlgn="ctr"/>
+                      <a:r>
+                        <a:rPr lang="en-US" sz="1100" u="none" strike="noStrike">
+                          <a:effectLst/>
+                        </a:rPr>
+                        <a:t>19.51%</a:t>
+                      </a:r>
+                      <a:endParaRPr lang="en-US" sz="1100" b="0" i="0" u="none" strike="noStrike">
+                        <a:solidFill>
+                          <a:srgbClr val="000000"/>
+                        </a:solidFill>
+                        <a:effectLst/>
+                        <a:latin typeface="Arial" panose="020B0604020202020204" pitchFamily="34" charset="0"/>
+                      </a:endParaRPr>
+                    </a:p>
+                  </a:txBody>
+                  <a:tcPr marL="171450" marR="9525" marT="9525" marB="0" anchor="ctr"/>
+                </a:tc>
+                <a:extLst>
+                  <a:ext uri="{0D108BD9-81ED-4DB2-BD59-A6C34878D82A}">
+                    <a16:rowId xmlns:a16="http://schemas.microsoft.com/office/drawing/2014/main" val="1780199347"/>
+                  </a:ext>
+                </a:extLst>
+              </a:tr>
+              <a:tr h="200025">
+                <a:tc>
+                  <a:txBody>
+                    <a:bodyPr/>
+                    <a:lstStyle/>
+                    <a:p>
+                      <a:pPr algn="l" fontAlgn="ctr"/>
+                      <a:r>
+                        <a:rPr lang="en-US" sz="1100" u="none" strike="noStrike">
+                          <a:effectLst/>
+                        </a:rPr>
+                        <a:t>Spain</a:t>
+                      </a:r>
+                      <a:endParaRPr lang="en-US" sz="1100" b="1" i="0" u="none" strike="noStrike">
+                        <a:solidFill>
+                          <a:srgbClr val="000000"/>
+                        </a:solidFill>
+                        <a:effectLst/>
+                        <a:latin typeface="Arial" panose="020B0604020202020204" pitchFamily="34" charset="0"/>
+                      </a:endParaRPr>
+                    </a:p>
+                  </a:txBody>
+                  <a:tcPr marL="171450" marR="9525" marT="9525" marB="0" anchor="ctr"/>
+                </a:tc>
+                <a:tc>
+                  <a:txBody>
+                    <a:bodyPr/>
+                    <a:lstStyle/>
+                    <a:p>
+                      <a:pPr algn="l" fontAlgn="ctr"/>
+                      <a:r>
+                        <a:rPr lang="en-US" sz="1100" u="none" strike="noStrike">
+                          <a:effectLst/>
+                        </a:rPr>
+                        <a:t>31.02%</a:t>
+                      </a:r>
+                      <a:endParaRPr lang="en-US" sz="1100" b="0" i="0" u="none" strike="noStrike">
+                        <a:solidFill>
+                          <a:srgbClr val="000000"/>
+                        </a:solidFill>
+                        <a:effectLst/>
+                        <a:latin typeface="Arial" panose="020B0604020202020204" pitchFamily="34" charset="0"/>
+                      </a:endParaRPr>
+                    </a:p>
+                  </a:txBody>
+                  <a:tcPr marL="171450" marR="9525" marT="9525" marB="0" anchor="ctr"/>
+                </a:tc>
+                <a:tc>
+                  <a:txBody>
+                    <a:bodyPr/>
+                    <a:lstStyle/>
+                    <a:p>
+                      <a:pPr algn="l" fontAlgn="ctr"/>
+                      <a:r>
+                        <a:rPr lang="en-US" sz="1100" u="none" strike="noStrike">
+                          <a:effectLst/>
+                        </a:rPr>
+                        <a:t>53.95%</a:t>
+                      </a:r>
+                      <a:endParaRPr lang="en-US" sz="1100" b="0" i="0" u="none" strike="noStrike">
+                        <a:solidFill>
+                          <a:srgbClr val="000000"/>
+                        </a:solidFill>
+                        <a:effectLst/>
+                        <a:latin typeface="Arial" panose="020B0604020202020204" pitchFamily="34" charset="0"/>
+                      </a:endParaRPr>
+                    </a:p>
+                  </a:txBody>
+                  <a:tcPr marL="171450" marR="9525" marT="9525" marB="0" anchor="ctr"/>
+                </a:tc>
+                <a:tc>
+                  <a:txBody>
+                    <a:bodyPr/>
+                    <a:lstStyle/>
+                    <a:p>
+                      <a:pPr algn="l" fontAlgn="ctr"/>
+                      <a:r>
+                        <a:rPr lang="en-US" sz="1100" u="none" strike="noStrike">
+                          <a:effectLst/>
+                        </a:rPr>
+                        <a:t>70.75%</a:t>
+                      </a:r>
+                      <a:endParaRPr lang="en-US" sz="1100" b="0" i="0" u="none" strike="noStrike">
+                        <a:solidFill>
+                          <a:srgbClr val="000000"/>
+                        </a:solidFill>
+                        <a:effectLst/>
+                        <a:latin typeface="Arial" panose="020B0604020202020204" pitchFamily="34" charset="0"/>
+                      </a:endParaRPr>
+                    </a:p>
+                  </a:txBody>
+                  <a:tcPr marL="171450" marR="9525" marT="9525" marB="0" anchor="ctr"/>
+                </a:tc>
+                <a:tc>
+                  <a:txBody>
+                    <a:bodyPr/>
+                    <a:lstStyle/>
+                    <a:p>
+                      <a:pPr algn="l" fontAlgn="ctr"/>
+                      <a:r>
+                        <a:rPr lang="en-US" sz="1100" u="none" strike="noStrike">
+                          <a:effectLst/>
+                        </a:rPr>
+                        <a:t>47.27%</a:t>
+                      </a:r>
+                      <a:endParaRPr lang="en-US" sz="1100" b="0" i="0" u="none" strike="noStrike">
+                        <a:solidFill>
+                          <a:srgbClr val="000000"/>
+                        </a:solidFill>
+                        <a:effectLst/>
+                        <a:latin typeface="Arial" panose="020B0604020202020204" pitchFamily="34" charset="0"/>
+                      </a:endParaRPr>
+                    </a:p>
+                  </a:txBody>
+                  <a:tcPr marL="171450" marR="9525" marT="9525" marB="0" anchor="ctr"/>
+                </a:tc>
+                <a:tc>
+                  <a:txBody>
+                    <a:bodyPr/>
+                    <a:lstStyle/>
+                    <a:p>
+                      <a:pPr algn="l" fontAlgn="ctr"/>
+                      <a:r>
+                        <a:rPr lang="en-US" sz="1100" u="none" strike="noStrike">
+                          <a:effectLst/>
+                        </a:rPr>
+                        <a:t>26.63%</a:t>
+                      </a:r>
+                      <a:endParaRPr lang="en-US" sz="1100" b="0" i="0" u="none" strike="noStrike">
+                        <a:solidFill>
+                          <a:srgbClr val="000000"/>
+                        </a:solidFill>
+                        <a:effectLst/>
+                        <a:latin typeface="Arial" panose="020B0604020202020204" pitchFamily="34" charset="0"/>
+                      </a:endParaRPr>
+                    </a:p>
+                  </a:txBody>
+                  <a:tcPr marL="171450" marR="9525" marT="9525" marB="0" anchor="ctr"/>
+                </a:tc>
+                <a:tc>
+                  <a:txBody>
+                    <a:bodyPr/>
+                    <a:lstStyle/>
+                    <a:p>
+                      <a:pPr algn="l" fontAlgn="ctr"/>
+                      <a:r>
+                        <a:rPr lang="en-US" sz="1100" u="none" strike="noStrike">
+                          <a:effectLst/>
+                        </a:rPr>
+                        <a:t>14.68%</a:t>
+                      </a:r>
+                      <a:endParaRPr lang="en-US" sz="1100" b="0" i="0" u="none" strike="noStrike">
+                        <a:solidFill>
+                          <a:srgbClr val="000000"/>
+                        </a:solidFill>
+                        <a:effectLst/>
+                        <a:latin typeface="Arial" panose="020B0604020202020204" pitchFamily="34" charset="0"/>
+                      </a:endParaRPr>
+                    </a:p>
+                  </a:txBody>
+                  <a:tcPr marL="171450" marR="9525" marT="9525" marB="0" anchor="ctr"/>
+                </a:tc>
+                <a:extLst>
+                  <a:ext uri="{0D108BD9-81ED-4DB2-BD59-A6C34878D82A}">
+                    <a16:rowId xmlns:a16="http://schemas.microsoft.com/office/drawing/2014/main" val="1658057676"/>
+                  </a:ext>
+                </a:extLst>
+              </a:tr>
+              <a:tr h="200025">
+                <a:tc>
+                  <a:txBody>
+                    <a:bodyPr/>
+                    <a:lstStyle/>
+                    <a:p>
+                      <a:pPr algn="l" fontAlgn="ctr"/>
+                      <a:r>
+                        <a:rPr lang="en-US" sz="1100" u="none" strike="noStrike">
+                          <a:effectLst/>
+                        </a:rPr>
+                        <a:t>Portugal</a:t>
+                      </a:r>
+                      <a:endParaRPr lang="en-US" sz="1100" b="1" i="0" u="none" strike="noStrike">
+                        <a:solidFill>
+                          <a:srgbClr val="000000"/>
+                        </a:solidFill>
+                        <a:effectLst/>
+                        <a:latin typeface="Arial" panose="020B0604020202020204" pitchFamily="34" charset="0"/>
+                      </a:endParaRPr>
+                    </a:p>
+                  </a:txBody>
+                  <a:tcPr marL="171450" marR="9525" marT="9525" marB="0" anchor="ctr"/>
+                </a:tc>
+                <a:tc>
+                  <a:txBody>
+                    <a:bodyPr/>
+                    <a:lstStyle/>
+                    <a:p>
+                      <a:pPr algn="l" fontAlgn="ctr"/>
+                      <a:r>
+                        <a:rPr lang="en-US" sz="1100" u="none" strike="noStrike">
+                          <a:effectLst/>
+                        </a:rPr>
+                        <a:t>39.84%</a:t>
+                      </a:r>
+                      <a:endParaRPr lang="en-US" sz="1100" b="0" i="0" u="none" strike="noStrike">
+                        <a:solidFill>
+                          <a:srgbClr val="000000"/>
+                        </a:solidFill>
+                        <a:effectLst/>
+                        <a:latin typeface="Arial" panose="020B0604020202020204" pitchFamily="34" charset="0"/>
+                      </a:endParaRPr>
+                    </a:p>
+                  </a:txBody>
+                  <a:tcPr marL="171450" marR="9525" marT="9525" marB="0" anchor="ctr"/>
+                </a:tc>
+                <a:tc>
+                  <a:txBody>
+                    <a:bodyPr/>
+                    <a:lstStyle/>
+                    <a:p>
+                      <a:pPr algn="l" fontAlgn="ctr"/>
+                      <a:r>
+                        <a:rPr lang="en-US" sz="1100" u="none" strike="noStrike">
+                          <a:effectLst/>
+                        </a:rPr>
+                        <a:t>33.41%</a:t>
+                      </a:r>
+                      <a:endParaRPr lang="en-US" sz="1100" b="0" i="0" u="none" strike="noStrike">
+                        <a:solidFill>
+                          <a:srgbClr val="000000"/>
+                        </a:solidFill>
+                        <a:effectLst/>
+                        <a:latin typeface="Arial" panose="020B0604020202020204" pitchFamily="34" charset="0"/>
+                      </a:endParaRPr>
+                    </a:p>
+                  </a:txBody>
+                  <a:tcPr marL="171450" marR="9525" marT="9525" marB="0" anchor="ctr"/>
+                </a:tc>
+                <a:tc>
+                  <a:txBody>
+                    <a:bodyPr/>
+                    <a:lstStyle/>
+                    <a:p>
+                      <a:pPr algn="l" fontAlgn="ctr"/>
+                      <a:r>
+                        <a:rPr lang="en-US" sz="1100" u="none" strike="noStrike">
+                          <a:effectLst/>
+                        </a:rPr>
+                        <a:t>55.03%</a:t>
+                      </a:r>
+                      <a:endParaRPr lang="en-US" sz="1100" b="0" i="0" u="none" strike="noStrike">
+                        <a:solidFill>
+                          <a:srgbClr val="000000"/>
+                        </a:solidFill>
+                        <a:effectLst/>
+                        <a:latin typeface="Arial" panose="020B0604020202020204" pitchFamily="34" charset="0"/>
+                      </a:endParaRPr>
+                    </a:p>
+                  </a:txBody>
+                  <a:tcPr marL="171450" marR="9525" marT="9525" marB="0" anchor="ctr"/>
+                </a:tc>
+                <a:tc>
+                  <a:txBody>
+                    <a:bodyPr/>
+                    <a:lstStyle/>
+                    <a:p>
+                      <a:pPr algn="l" fontAlgn="ctr"/>
+                      <a:r>
+                        <a:rPr lang="en-US" sz="1100" u="none" strike="noStrike">
+                          <a:effectLst/>
+                        </a:rPr>
+                        <a:t>32.17%</a:t>
+                      </a:r>
+                      <a:endParaRPr lang="en-US" sz="1100" b="0" i="0" u="none" strike="noStrike">
+                        <a:solidFill>
+                          <a:srgbClr val="000000"/>
+                        </a:solidFill>
+                        <a:effectLst/>
+                        <a:latin typeface="Arial" panose="020B0604020202020204" pitchFamily="34" charset="0"/>
+                      </a:endParaRPr>
+                    </a:p>
+                  </a:txBody>
+                  <a:tcPr marL="171450" marR="9525" marT="9525" marB="0" anchor="ctr"/>
+                </a:tc>
+                <a:tc>
+                  <a:txBody>
+                    <a:bodyPr/>
+                    <a:lstStyle/>
+                    <a:p>
+                      <a:pPr algn="l" fontAlgn="ctr"/>
+                      <a:r>
+                        <a:rPr lang="en-US" sz="1100" u="none" strike="noStrike">
+                          <a:effectLst/>
+                        </a:rPr>
+                        <a:t>14.27%</a:t>
+                      </a:r>
+                      <a:endParaRPr lang="en-US" sz="1100" b="0" i="0" u="none" strike="noStrike">
+                        <a:solidFill>
+                          <a:srgbClr val="000000"/>
+                        </a:solidFill>
+                        <a:effectLst/>
+                        <a:latin typeface="Arial" panose="020B0604020202020204" pitchFamily="34" charset="0"/>
+                      </a:endParaRPr>
+                    </a:p>
+                  </a:txBody>
+                  <a:tcPr marL="171450" marR="9525" marT="9525" marB="0" anchor="ctr"/>
+                </a:tc>
+                <a:tc>
+                  <a:txBody>
+                    <a:bodyPr/>
+                    <a:lstStyle/>
+                    <a:p>
+                      <a:pPr algn="l" fontAlgn="ctr"/>
+                      <a:r>
+                        <a:rPr lang="en-US" sz="1100" u="none" strike="noStrike">
+                          <a:effectLst/>
+                        </a:rPr>
+                        <a:t>6.48%</a:t>
+                      </a:r>
+                      <a:endParaRPr lang="en-US" sz="1100" b="0" i="0" u="none" strike="noStrike">
+                        <a:solidFill>
+                          <a:srgbClr val="000000"/>
+                        </a:solidFill>
+                        <a:effectLst/>
+                        <a:latin typeface="Arial" panose="020B0604020202020204" pitchFamily="34" charset="0"/>
+                      </a:endParaRPr>
+                    </a:p>
+                  </a:txBody>
+                  <a:tcPr marL="171450" marR="9525" marT="9525" marB="0" anchor="ctr"/>
+                </a:tc>
+                <a:extLst>
+                  <a:ext uri="{0D108BD9-81ED-4DB2-BD59-A6C34878D82A}">
+                    <a16:rowId xmlns:a16="http://schemas.microsoft.com/office/drawing/2014/main" val="1242287260"/>
+                  </a:ext>
+                </a:extLst>
+              </a:tr>
+              <a:tr h="200025">
+                <a:tc>
+                  <a:txBody>
+                    <a:bodyPr/>
+                    <a:lstStyle/>
+                    <a:p>
+                      <a:pPr algn="l" fontAlgn="ctr"/>
+                      <a:r>
+                        <a:rPr lang="en-US" sz="1100" u="none" strike="noStrike">
+                          <a:effectLst/>
+                        </a:rPr>
+                        <a:t>Argentina</a:t>
+                      </a:r>
+                      <a:endParaRPr lang="en-US" sz="1100" b="1" i="0" u="none" strike="noStrike">
+                        <a:solidFill>
+                          <a:srgbClr val="000000"/>
+                        </a:solidFill>
+                        <a:effectLst/>
+                        <a:latin typeface="Arial" panose="020B0604020202020204" pitchFamily="34" charset="0"/>
+                      </a:endParaRPr>
+                    </a:p>
+                  </a:txBody>
+                  <a:tcPr marL="171450" marR="9525" marT="9525" marB="0" anchor="ctr"/>
+                </a:tc>
+                <a:tc>
+                  <a:txBody>
+                    <a:bodyPr/>
+                    <a:lstStyle/>
+                    <a:p>
+                      <a:pPr algn="l" fontAlgn="ctr"/>
+                      <a:r>
+                        <a:rPr lang="en-US" sz="1100" u="none" strike="noStrike">
+                          <a:effectLst/>
+                        </a:rPr>
+                        <a:t>26.52%</a:t>
+                      </a:r>
+                      <a:endParaRPr lang="en-US" sz="1100" b="0" i="0" u="none" strike="noStrike">
+                        <a:solidFill>
+                          <a:srgbClr val="000000"/>
+                        </a:solidFill>
+                        <a:effectLst/>
+                        <a:latin typeface="Arial" panose="020B0604020202020204" pitchFamily="34" charset="0"/>
+                      </a:endParaRPr>
+                    </a:p>
+                  </a:txBody>
+                  <a:tcPr marL="171450" marR="9525" marT="9525" marB="0" anchor="ctr"/>
+                </a:tc>
+                <a:tc>
+                  <a:txBody>
+                    <a:bodyPr/>
+                    <a:lstStyle/>
+                    <a:p>
+                      <a:pPr algn="l" fontAlgn="ctr"/>
+                      <a:r>
+                        <a:rPr lang="en-US" sz="1100" u="none" strike="noStrike">
+                          <a:effectLst/>
+                        </a:rPr>
+                        <a:t>56.39%</a:t>
+                      </a:r>
+                      <a:endParaRPr lang="en-US" sz="1100" b="0" i="0" u="none" strike="noStrike">
+                        <a:solidFill>
+                          <a:srgbClr val="000000"/>
+                        </a:solidFill>
+                        <a:effectLst/>
+                        <a:latin typeface="Arial" panose="020B0604020202020204" pitchFamily="34" charset="0"/>
+                      </a:endParaRPr>
+                    </a:p>
+                  </a:txBody>
+                  <a:tcPr marL="171450" marR="9525" marT="9525" marB="0" anchor="ctr"/>
+                </a:tc>
+                <a:tc>
+                  <a:txBody>
+                    <a:bodyPr/>
+                    <a:lstStyle/>
+                    <a:p>
+                      <a:pPr algn="l" fontAlgn="ctr"/>
+                      <a:r>
+                        <a:rPr lang="en-US" sz="1100" u="none" strike="noStrike">
+                          <a:effectLst/>
+                        </a:rPr>
+                        <a:t>50.52%</a:t>
+                      </a:r>
+                      <a:endParaRPr lang="en-US" sz="1100" b="0" i="0" u="none" strike="noStrike">
+                        <a:solidFill>
+                          <a:srgbClr val="000000"/>
+                        </a:solidFill>
+                        <a:effectLst/>
+                        <a:latin typeface="Arial" panose="020B0604020202020204" pitchFamily="34" charset="0"/>
+                      </a:endParaRPr>
+                    </a:p>
+                  </a:txBody>
+                  <a:tcPr marL="171450" marR="9525" marT="9525" marB="0" anchor="ctr"/>
+                </a:tc>
+                <a:tc>
+                  <a:txBody>
+                    <a:bodyPr/>
+                    <a:lstStyle/>
+                    <a:p>
+                      <a:pPr algn="l" fontAlgn="ctr"/>
+                      <a:r>
+                        <a:rPr lang="en-US" sz="1100" u="none" strike="noStrike">
+                          <a:effectLst/>
+                        </a:rPr>
+                        <a:t>27.52%</a:t>
+                      </a:r>
+                      <a:endParaRPr lang="en-US" sz="1100" b="0" i="0" u="none" strike="noStrike">
+                        <a:solidFill>
+                          <a:srgbClr val="000000"/>
+                        </a:solidFill>
+                        <a:effectLst/>
+                        <a:latin typeface="Arial" panose="020B0604020202020204" pitchFamily="34" charset="0"/>
+                      </a:endParaRPr>
+                    </a:p>
+                  </a:txBody>
+                  <a:tcPr marL="171450" marR="9525" marT="9525" marB="0" anchor="ctr"/>
+                </a:tc>
+                <a:tc>
+                  <a:txBody>
+                    <a:bodyPr/>
+                    <a:lstStyle/>
+                    <a:p>
+                      <a:pPr algn="l" fontAlgn="ctr"/>
+                      <a:r>
+                        <a:rPr lang="en-US" sz="1100" u="none" strike="noStrike">
+                          <a:effectLst/>
+                        </a:rPr>
+                        <a:t>13.17%</a:t>
+                      </a:r>
+                      <a:endParaRPr lang="en-US" sz="1100" b="0" i="0" u="none" strike="noStrike">
+                        <a:solidFill>
+                          <a:srgbClr val="000000"/>
+                        </a:solidFill>
+                        <a:effectLst/>
+                        <a:latin typeface="Arial" panose="020B0604020202020204" pitchFamily="34" charset="0"/>
+                      </a:endParaRPr>
+                    </a:p>
+                  </a:txBody>
+                  <a:tcPr marL="171450" marR="9525" marT="9525" marB="0" anchor="ctr"/>
+                </a:tc>
+                <a:tc>
+                  <a:txBody>
+                    <a:bodyPr/>
+                    <a:lstStyle/>
+                    <a:p>
+                      <a:pPr algn="l" fontAlgn="ctr"/>
+                      <a:r>
+                        <a:rPr lang="en-US" sz="1100" u="none" strike="noStrike">
+                          <a:effectLst/>
+                        </a:rPr>
+                        <a:t>6.27%</a:t>
+                      </a:r>
+                      <a:endParaRPr lang="en-US" sz="1100" b="0" i="0" u="none" strike="noStrike">
+                        <a:solidFill>
+                          <a:srgbClr val="000000"/>
+                        </a:solidFill>
+                        <a:effectLst/>
+                        <a:latin typeface="Arial" panose="020B0604020202020204" pitchFamily="34" charset="0"/>
+                      </a:endParaRPr>
+                    </a:p>
+                  </a:txBody>
+                  <a:tcPr marL="171450" marR="9525" marT="9525" marB="0" anchor="ctr"/>
+                </a:tc>
+                <a:extLst>
+                  <a:ext uri="{0D108BD9-81ED-4DB2-BD59-A6C34878D82A}">
+                    <a16:rowId xmlns:a16="http://schemas.microsoft.com/office/drawing/2014/main" val="3935548800"/>
+                  </a:ext>
+                </a:extLst>
+              </a:tr>
+              <a:tr h="200025">
+                <a:tc>
+                  <a:txBody>
+                    <a:bodyPr/>
+                    <a:lstStyle/>
+                    <a:p>
+                      <a:pPr algn="l" fontAlgn="ctr"/>
+                      <a:r>
+                        <a:rPr lang="en-US" sz="1100" u="none" strike="noStrike">
+                          <a:effectLst/>
+                        </a:rPr>
+                        <a:t>France</a:t>
+                      </a:r>
+                      <a:endParaRPr lang="en-US" sz="1100" b="1" i="0" u="none" strike="noStrike">
+                        <a:solidFill>
+                          <a:srgbClr val="000000"/>
+                        </a:solidFill>
+                        <a:effectLst/>
+                        <a:latin typeface="Arial" panose="020B0604020202020204" pitchFamily="34" charset="0"/>
+                      </a:endParaRPr>
+                    </a:p>
+                  </a:txBody>
+                  <a:tcPr marL="171450" marR="9525" marT="9525" marB="0" anchor="ctr"/>
+                </a:tc>
+                <a:tc>
+                  <a:txBody>
+                    <a:bodyPr/>
+                    <a:lstStyle/>
+                    <a:p>
+                      <a:pPr algn="l" fontAlgn="ctr"/>
+                      <a:r>
+                        <a:rPr lang="en-US" sz="1100" u="none" strike="noStrike">
+                          <a:effectLst/>
+                        </a:rPr>
+                        <a:t>29.67%</a:t>
+                      </a:r>
+                      <a:endParaRPr lang="en-US" sz="1100" b="0" i="0" u="none" strike="noStrike">
+                        <a:solidFill>
+                          <a:srgbClr val="000000"/>
+                        </a:solidFill>
+                        <a:effectLst/>
+                        <a:latin typeface="Arial" panose="020B0604020202020204" pitchFamily="34" charset="0"/>
+                      </a:endParaRPr>
+                    </a:p>
+                  </a:txBody>
+                  <a:tcPr marL="171450" marR="9525" marT="9525" marB="0" anchor="ctr"/>
+                </a:tc>
+                <a:tc>
+                  <a:txBody>
+                    <a:bodyPr/>
+                    <a:lstStyle/>
+                    <a:p>
+                      <a:pPr algn="l" fontAlgn="ctr"/>
+                      <a:r>
+                        <a:rPr lang="en-US" sz="1100" u="none" strike="noStrike">
+                          <a:effectLst/>
+                        </a:rPr>
+                        <a:t>48.51%</a:t>
+                      </a:r>
+                      <a:endParaRPr lang="en-US" sz="1100" b="0" i="0" u="none" strike="noStrike">
+                        <a:solidFill>
+                          <a:srgbClr val="000000"/>
+                        </a:solidFill>
+                        <a:effectLst/>
+                        <a:latin typeface="Arial" panose="020B0604020202020204" pitchFamily="34" charset="0"/>
+                      </a:endParaRPr>
+                    </a:p>
+                  </a:txBody>
+                  <a:tcPr marL="171450" marR="9525" marT="9525" marB="0" anchor="ctr"/>
+                </a:tc>
+                <a:tc>
+                  <a:txBody>
+                    <a:bodyPr/>
+                    <a:lstStyle/>
+                    <a:p>
+                      <a:pPr algn="l" fontAlgn="ctr"/>
+                      <a:r>
+                        <a:rPr lang="en-US" sz="1100" u="none" strike="noStrike">
+                          <a:effectLst/>
+                        </a:rPr>
+                        <a:t>50.74%</a:t>
+                      </a:r>
+                      <a:endParaRPr lang="en-US" sz="1100" b="0" i="0" u="none" strike="noStrike">
+                        <a:solidFill>
+                          <a:srgbClr val="000000"/>
+                        </a:solidFill>
+                        <a:effectLst/>
+                        <a:latin typeface="Arial" panose="020B0604020202020204" pitchFamily="34" charset="0"/>
+                      </a:endParaRPr>
+                    </a:p>
+                  </a:txBody>
+                  <a:tcPr marL="171450" marR="9525" marT="9525" marB="0" anchor="ctr"/>
+                </a:tc>
+                <a:tc>
+                  <a:txBody>
+                    <a:bodyPr/>
+                    <a:lstStyle/>
+                    <a:p>
+                      <a:pPr algn="l" fontAlgn="ctr"/>
+                      <a:r>
+                        <a:rPr lang="en-US" sz="1100" u="none" strike="noStrike">
+                          <a:effectLst/>
+                        </a:rPr>
+                        <a:t>28.41%</a:t>
+                      </a:r>
+                      <a:endParaRPr lang="en-US" sz="1100" b="0" i="0" u="none" strike="noStrike">
+                        <a:solidFill>
+                          <a:srgbClr val="000000"/>
+                        </a:solidFill>
+                        <a:effectLst/>
+                        <a:latin typeface="Arial" panose="020B0604020202020204" pitchFamily="34" charset="0"/>
+                      </a:endParaRPr>
+                    </a:p>
+                  </a:txBody>
+                  <a:tcPr marL="171450" marR="9525" marT="9525" marB="0" anchor="ctr"/>
+                </a:tc>
+                <a:tc>
+                  <a:txBody>
+                    <a:bodyPr/>
+                    <a:lstStyle/>
+                    <a:p>
+                      <a:pPr algn="l" fontAlgn="ctr"/>
+                      <a:r>
+                        <a:rPr lang="en-US" sz="1100" u="none" strike="noStrike">
+                          <a:effectLst/>
+                        </a:rPr>
+                        <a:t>13.19%</a:t>
+                      </a:r>
+                      <a:endParaRPr lang="en-US" sz="1100" b="0" i="0" u="none" strike="noStrike">
+                        <a:solidFill>
+                          <a:srgbClr val="000000"/>
+                        </a:solidFill>
+                        <a:effectLst/>
+                        <a:latin typeface="Arial" panose="020B0604020202020204" pitchFamily="34" charset="0"/>
+                      </a:endParaRPr>
+                    </a:p>
+                  </a:txBody>
+                  <a:tcPr marL="171450" marR="9525" marT="9525" marB="0" anchor="ctr"/>
+                </a:tc>
+                <a:tc>
+                  <a:txBody>
+                    <a:bodyPr/>
+                    <a:lstStyle/>
+                    <a:p>
+                      <a:pPr algn="l" fontAlgn="ctr"/>
+                      <a:r>
+                        <a:rPr lang="en-US" sz="1100" u="none" strike="noStrike" dirty="0">
+                          <a:effectLst/>
+                        </a:rPr>
+                        <a:t>6.01%</a:t>
+                      </a:r>
+                      <a:endParaRPr lang="en-US" sz="1100" b="0" i="0" u="none" strike="noStrike" dirty="0">
+                        <a:solidFill>
+                          <a:srgbClr val="000000"/>
+                        </a:solidFill>
+                        <a:effectLst/>
+                        <a:latin typeface="Arial" panose="020B0604020202020204" pitchFamily="34" charset="0"/>
+                      </a:endParaRPr>
+                    </a:p>
+                  </a:txBody>
+                  <a:tcPr marL="171450" marR="9525" marT="9525" marB="0" anchor="ctr"/>
+                </a:tc>
+                <a:extLst>
+                  <a:ext uri="{0D108BD9-81ED-4DB2-BD59-A6C34878D82A}">
+                    <a16:rowId xmlns:a16="http://schemas.microsoft.com/office/drawing/2014/main" val="222230762"/>
+                  </a:ext>
+                </a:extLst>
+              </a:tr>
+            </a:tbl>
+          </a:graphicData>
+        </a:graphic>
+      </p:graphicFrame>
     </p:spTree>
     <p:extLst>
       <p:ext uri="{BB962C8B-B14F-4D97-AF65-F5344CB8AC3E}">
@@ -13764,7 +15647,7 @@
 </p:sld>
 </file>
 
-<file path=ppt/slides/slide7.xml><?xml version="1.0" encoding="utf-8"?>
+<file path=ppt/slides/slide9.xml><?xml version="1.0" encoding="utf-8"?>
 <p:sld xmlns:a="http://schemas.openxmlformats.org/drawingml/2006/main" xmlns:r="http://schemas.openxmlformats.org/officeDocument/2006/relationships" xmlns:p="http://schemas.openxmlformats.org/presentationml/2006/main">
   <p:cSld>
     <p:spTree>
@@ -13786,7 +15669,7 @@
           <p:cNvPr id="2" name="Title 1">
             <a:extLst>
               <a:ext uri="{FF2B5EF4-FFF2-40B4-BE49-F238E27FC236}">
-                <a16:creationId xmlns:a16="http://schemas.microsoft.com/office/drawing/2014/main" id="{F5CC6EDB-7FF3-4A9A-AB1D-66E72E2119D2}"/>
+                <a16:creationId xmlns:a16="http://schemas.microsoft.com/office/drawing/2014/main" id="{86135670-70D6-4BFC-A43A-E10B9EF691B8}"/>
               </a:ext>
             </a:extLst>
           </p:cNvPr>
@@ -13803,8 +15686,8 @@
           <a:lstStyle/>
           <a:p>
             <a:r>
-              <a:rPr lang="en-US"/>
-              <a:t>Conclusions</a:t>
+              <a:rPr lang="en-US" dirty="0"/>
+              <a:t>Conclusion</a:t>
             </a:r>
           </a:p>
         </p:txBody>
@@ -13814,7 +15697,7 @@
           <p:cNvPr id="3" name="Content Placeholder 2">
             <a:extLst>
               <a:ext uri="{FF2B5EF4-FFF2-40B4-BE49-F238E27FC236}">
-                <a16:creationId xmlns:a16="http://schemas.microsoft.com/office/drawing/2014/main" id="{2571A3DA-4ED4-47DB-9654-158679604EDC}"/>
+                <a16:creationId xmlns:a16="http://schemas.microsoft.com/office/drawing/2014/main" id="{C3139070-8154-4E7F-91A1-DCBB5F45463F}"/>
               </a:ext>
             </a:extLst>
           </p:cNvPr>
@@ -13830,14 +15713,48 @@
           <a:bodyPr/>
           <a:lstStyle/>
           <a:p>
-            <a:endParaRPr lang="en-US"/>
+            <a:r>
+              <a:rPr lang="en-US" dirty="0"/>
+              <a:t>Germany, Brazil, and Spain have a combined 60% win rate.</a:t>
+            </a:r>
+          </a:p>
+          <a:p>
+            <a:r>
+              <a:rPr lang="en-US" dirty="0"/>
+              <a:t>Elo rating is not enough to predict win rate in a game like soccer.</a:t>
+            </a:r>
+          </a:p>
+          <a:p>
+            <a:r>
+              <a:rPr lang="en-US" dirty="0"/>
+              <a:t>“Rock, paper, scissors” syndrome. </a:t>
+            </a:r>
+          </a:p>
+          <a:p>
+            <a:r>
+              <a:rPr lang="en-US" dirty="0"/>
+              <a:t>Other important factors to take into consideration are:</a:t>
+            </a:r>
+          </a:p>
+          <a:p>
+            <a:pPr lvl="1"/>
+            <a:r>
+              <a:rPr lang="en-US" dirty="0"/>
+              <a:t>Past games played between teams, players involved, goals scored, home vs visiting.</a:t>
+            </a:r>
+          </a:p>
+          <a:p>
+            <a:r>
+              <a:rPr lang="en-US" dirty="0"/>
+              <a:t>This is sport, and upsets DO happen. Many models for the 2014 World Cup gave Brazil as the most likely winner. </a:t>
+            </a:r>
           </a:p>
         </p:txBody>
       </p:sp>
     </p:spTree>
     <p:extLst>
       <p:ext uri="{BB962C8B-B14F-4D97-AF65-F5344CB8AC3E}">
-        <p14:creationId xmlns:p14="http://schemas.microsoft.com/office/powerpoint/2010/main" val="2421739474"/>
+        <p14:creationId xmlns:p14="http://schemas.microsoft.com/office/powerpoint/2010/main" val="2905751130"/>
       </p:ext>
     </p:extLst>
   </p:cSld>

--- a/MonteCarloWorldCup2018.pptx
+++ b/MonteCarloWorldCup2018.pptx
@@ -4,6 +4,9 @@
   <p:sldMasterIdLst>
     <p:sldMasterId id="2147483792" r:id="rId1"/>
   </p:sldMasterIdLst>
+  <p:notesMasterIdLst>
+    <p:notesMasterId r:id="rId12"/>
+  </p:notesMasterIdLst>
   <p:sldIdLst>
     <p:sldId id="256" r:id="rId2"/>
     <p:sldId id="257" r:id="rId3"/>
@@ -13,7 +16,8 @@
     <p:sldId id="260" r:id="rId7"/>
     <p:sldId id="265" r:id="rId8"/>
     <p:sldId id="261" r:id="rId9"/>
-    <p:sldId id="263" r:id="rId10"/>
+    <p:sldId id="267" r:id="rId10"/>
+    <p:sldId id="263" r:id="rId11"/>
   </p:sldIdLst>
   <p:sldSz cx="12192000" cy="6858000"/>
   <p:notesSz cx="6858000" cy="9144000"/>
@@ -118,6 +122,355 @@
     </p:ext>
   </p:extLst>
 </p:presentation>
+</file>
+
+<file path=ppt/notesMasters/notesMaster1.xml><?xml version="1.0" encoding="utf-8"?>
+<p:notesMaster xmlns:a="http://schemas.openxmlformats.org/drawingml/2006/main" xmlns:r="http://schemas.openxmlformats.org/officeDocument/2006/relationships" xmlns:p="http://schemas.openxmlformats.org/presentationml/2006/main">
+  <p:cSld>
+    <p:bg>
+      <p:bgRef idx="1001">
+        <a:schemeClr val="bg1"/>
+      </p:bgRef>
+    </p:bg>
+    <p:spTree>
+      <p:nvGrpSpPr>
+        <p:cNvPr id="1" name=""/>
+        <p:cNvGrpSpPr/>
+        <p:nvPr/>
+      </p:nvGrpSpPr>
+      <p:grpSpPr>
+        <a:xfrm>
+          <a:off x="0" y="0"/>
+          <a:ext cx="0" cy="0"/>
+          <a:chOff x="0" y="0"/>
+          <a:chExt cx="0" cy="0"/>
+        </a:xfrm>
+      </p:grpSpPr>
+      <p:sp>
+        <p:nvSpPr>
+          <p:cNvPr id="2" name="Header Placeholder 1"/>
+          <p:cNvSpPr>
+            <a:spLocks noGrp="1"/>
+          </p:cNvSpPr>
+          <p:nvPr>
+            <p:ph type="hdr" sz="quarter"/>
+          </p:nvPr>
+        </p:nvSpPr>
+        <p:spPr>
+          <a:xfrm>
+            <a:off x="0" y="0"/>
+            <a:ext cx="2971800" cy="458788"/>
+          </a:xfrm>
+          <a:prstGeom prst="rect">
+            <a:avLst/>
+          </a:prstGeom>
+        </p:spPr>
+        <p:txBody>
+          <a:bodyPr vert="horz" lIns="91440" tIns="45720" rIns="91440" bIns="45720" rtlCol="0"/>
+          <a:lstStyle>
+            <a:lvl1pPr algn="l">
+              <a:defRPr sz="1200"/>
+            </a:lvl1pPr>
+          </a:lstStyle>
+          <a:p>
+            <a:endParaRPr lang="en-US"/>
+          </a:p>
+        </p:txBody>
+      </p:sp>
+      <p:sp>
+        <p:nvSpPr>
+          <p:cNvPr id="3" name="Date Placeholder 2"/>
+          <p:cNvSpPr>
+            <a:spLocks noGrp="1"/>
+          </p:cNvSpPr>
+          <p:nvPr>
+            <p:ph type="dt" idx="1"/>
+          </p:nvPr>
+        </p:nvSpPr>
+        <p:spPr>
+          <a:xfrm>
+            <a:off x="3884613" y="0"/>
+            <a:ext cx="2971800" cy="458788"/>
+          </a:xfrm>
+          <a:prstGeom prst="rect">
+            <a:avLst/>
+          </a:prstGeom>
+        </p:spPr>
+        <p:txBody>
+          <a:bodyPr vert="horz" lIns="91440" tIns="45720" rIns="91440" bIns="45720" rtlCol="0"/>
+          <a:lstStyle>
+            <a:lvl1pPr algn="r">
+              <a:defRPr sz="1200"/>
+            </a:lvl1pPr>
+          </a:lstStyle>
+          <a:p>
+            <a:fld id="{015FBBEE-EE8C-47B9-9281-ED73A4E10437}" type="datetimeFigureOut">
+              <a:rPr lang="en-US" smtClean="0"/>
+              <a:t>5/25/2018</a:t>
+            </a:fld>
+            <a:endParaRPr lang="en-US"/>
+          </a:p>
+        </p:txBody>
+      </p:sp>
+      <p:sp>
+        <p:nvSpPr>
+          <p:cNvPr id="4" name="Slide Image Placeholder 3"/>
+          <p:cNvSpPr>
+            <a:spLocks noGrp="1" noRot="1" noChangeAspect="1"/>
+          </p:cNvSpPr>
+          <p:nvPr>
+            <p:ph type="sldImg" idx="2"/>
+          </p:nvPr>
+        </p:nvSpPr>
+        <p:spPr>
+          <a:xfrm>
+            <a:off x="685800" y="1143000"/>
+            <a:ext cx="5486400" cy="3086100"/>
+          </a:xfrm>
+          <a:prstGeom prst="rect">
+            <a:avLst/>
+          </a:prstGeom>
+          <a:noFill/>
+          <a:ln w="12700">
+            <a:solidFill>
+              <a:prstClr val="black"/>
+            </a:solidFill>
+          </a:ln>
+        </p:spPr>
+        <p:txBody>
+          <a:bodyPr vert="horz" lIns="91440" tIns="45720" rIns="91440" bIns="45720" rtlCol="0" anchor="ctr"/>
+          <a:lstStyle/>
+          <a:p>
+            <a:endParaRPr lang="en-US"/>
+          </a:p>
+        </p:txBody>
+      </p:sp>
+      <p:sp>
+        <p:nvSpPr>
+          <p:cNvPr id="5" name="Notes Placeholder 4"/>
+          <p:cNvSpPr>
+            <a:spLocks noGrp="1"/>
+          </p:cNvSpPr>
+          <p:nvPr>
+            <p:ph type="body" sz="quarter" idx="3"/>
+          </p:nvPr>
+        </p:nvSpPr>
+        <p:spPr>
+          <a:xfrm>
+            <a:off x="685800" y="4400550"/>
+            <a:ext cx="5486400" cy="3600450"/>
+          </a:xfrm>
+          <a:prstGeom prst="rect">
+            <a:avLst/>
+          </a:prstGeom>
+        </p:spPr>
+        <p:txBody>
+          <a:bodyPr vert="horz" lIns="91440" tIns="45720" rIns="91440" bIns="45720" rtlCol="0"/>
+          <a:lstStyle/>
+          <a:p>
+            <a:pPr lvl="0"/>
+            <a:r>
+              <a:rPr lang="en-US"/>
+              <a:t>Edit Master text styles</a:t>
+            </a:r>
+          </a:p>
+          <a:p>
+            <a:pPr lvl="1"/>
+            <a:r>
+              <a:rPr lang="en-US"/>
+              <a:t>Second level</a:t>
+            </a:r>
+          </a:p>
+          <a:p>
+            <a:pPr lvl="2"/>
+            <a:r>
+              <a:rPr lang="en-US"/>
+              <a:t>Third level</a:t>
+            </a:r>
+          </a:p>
+          <a:p>
+            <a:pPr lvl="3"/>
+            <a:r>
+              <a:rPr lang="en-US"/>
+              <a:t>Fourth level</a:t>
+            </a:r>
+          </a:p>
+          <a:p>
+            <a:pPr lvl="4"/>
+            <a:r>
+              <a:rPr lang="en-US"/>
+              <a:t>Fifth level</a:t>
+            </a:r>
+          </a:p>
+        </p:txBody>
+      </p:sp>
+      <p:sp>
+        <p:nvSpPr>
+          <p:cNvPr id="6" name="Footer Placeholder 5"/>
+          <p:cNvSpPr>
+            <a:spLocks noGrp="1"/>
+          </p:cNvSpPr>
+          <p:nvPr>
+            <p:ph type="ftr" sz="quarter" idx="4"/>
+          </p:nvPr>
+        </p:nvSpPr>
+        <p:spPr>
+          <a:xfrm>
+            <a:off x="0" y="8685213"/>
+            <a:ext cx="2971800" cy="458787"/>
+          </a:xfrm>
+          <a:prstGeom prst="rect">
+            <a:avLst/>
+          </a:prstGeom>
+        </p:spPr>
+        <p:txBody>
+          <a:bodyPr vert="horz" lIns="91440" tIns="45720" rIns="91440" bIns="45720" rtlCol="0" anchor="b"/>
+          <a:lstStyle>
+            <a:lvl1pPr algn="l">
+              <a:defRPr sz="1200"/>
+            </a:lvl1pPr>
+          </a:lstStyle>
+          <a:p>
+            <a:endParaRPr lang="en-US"/>
+          </a:p>
+        </p:txBody>
+      </p:sp>
+      <p:sp>
+        <p:nvSpPr>
+          <p:cNvPr id="7" name="Slide Number Placeholder 6"/>
+          <p:cNvSpPr>
+            <a:spLocks noGrp="1"/>
+          </p:cNvSpPr>
+          <p:nvPr>
+            <p:ph type="sldNum" sz="quarter" idx="5"/>
+          </p:nvPr>
+        </p:nvSpPr>
+        <p:spPr>
+          <a:xfrm>
+            <a:off x="3884613" y="8685213"/>
+            <a:ext cx="2971800" cy="458787"/>
+          </a:xfrm>
+          <a:prstGeom prst="rect">
+            <a:avLst/>
+          </a:prstGeom>
+        </p:spPr>
+        <p:txBody>
+          <a:bodyPr vert="horz" lIns="91440" tIns="45720" rIns="91440" bIns="45720" rtlCol="0" anchor="b"/>
+          <a:lstStyle>
+            <a:lvl1pPr algn="r">
+              <a:defRPr sz="1200"/>
+            </a:lvl1pPr>
+          </a:lstStyle>
+          <a:p>
+            <a:fld id="{CEF19111-FE15-4C74-B01D-859ADD675B5F}" type="slidenum">
+              <a:rPr lang="en-US" smtClean="0"/>
+              <a:t>‹#›</a:t>
+            </a:fld>
+            <a:endParaRPr lang="en-US"/>
+          </a:p>
+        </p:txBody>
+      </p:sp>
+    </p:spTree>
+    <p:extLst>
+      <p:ext uri="{BB962C8B-B14F-4D97-AF65-F5344CB8AC3E}">
+        <p14:creationId xmlns:p14="http://schemas.microsoft.com/office/powerpoint/2010/main" val="1015138226"/>
+      </p:ext>
+    </p:extLst>
+  </p:cSld>
+  <p:clrMap bg1="lt1" tx1="dk1" bg2="lt2" tx2="dk2" accent1="accent1" accent2="accent2" accent3="accent3" accent4="accent4" accent5="accent5" accent6="accent6" hlink="hlink" folHlink="folHlink"/>
+  <p:notesStyle>
+    <a:lvl1pPr marL="0" algn="l" defTabSz="914400" rtl="0" eaLnBrk="1" latinLnBrk="0" hangingPunct="1">
+      <a:defRPr sz="1200" kern="1200">
+        <a:solidFill>
+          <a:schemeClr val="tx1"/>
+        </a:solidFill>
+        <a:latin typeface="+mn-lt"/>
+        <a:ea typeface="+mn-ea"/>
+        <a:cs typeface="+mn-cs"/>
+      </a:defRPr>
+    </a:lvl1pPr>
+    <a:lvl2pPr marL="457200" algn="l" defTabSz="914400" rtl="0" eaLnBrk="1" latinLnBrk="0" hangingPunct="1">
+      <a:defRPr sz="1200" kern="1200">
+        <a:solidFill>
+          <a:schemeClr val="tx1"/>
+        </a:solidFill>
+        <a:latin typeface="+mn-lt"/>
+        <a:ea typeface="+mn-ea"/>
+        <a:cs typeface="+mn-cs"/>
+      </a:defRPr>
+    </a:lvl2pPr>
+    <a:lvl3pPr marL="914400" algn="l" defTabSz="914400" rtl="0" eaLnBrk="1" latinLnBrk="0" hangingPunct="1">
+      <a:defRPr sz="1200" kern="1200">
+        <a:solidFill>
+          <a:schemeClr val="tx1"/>
+        </a:solidFill>
+        <a:latin typeface="+mn-lt"/>
+        <a:ea typeface="+mn-ea"/>
+        <a:cs typeface="+mn-cs"/>
+      </a:defRPr>
+    </a:lvl3pPr>
+    <a:lvl4pPr marL="1371600" algn="l" defTabSz="914400" rtl="0" eaLnBrk="1" latinLnBrk="0" hangingPunct="1">
+      <a:defRPr sz="1200" kern="1200">
+        <a:solidFill>
+          <a:schemeClr val="tx1"/>
+        </a:solidFill>
+        <a:latin typeface="+mn-lt"/>
+        <a:ea typeface="+mn-ea"/>
+        <a:cs typeface="+mn-cs"/>
+      </a:defRPr>
+    </a:lvl4pPr>
+    <a:lvl5pPr marL="1828800" algn="l" defTabSz="914400" rtl="0" eaLnBrk="1" latinLnBrk="0" hangingPunct="1">
+      <a:defRPr sz="1200" kern="1200">
+        <a:solidFill>
+          <a:schemeClr val="tx1"/>
+        </a:solidFill>
+        <a:latin typeface="+mn-lt"/>
+        <a:ea typeface="+mn-ea"/>
+        <a:cs typeface="+mn-cs"/>
+      </a:defRPr>
+    </a:lvl5pPr>
+    <a:lvl6pPr marL="2286000" algn="l" defTabSz="914400" rtl="0" eaLnBrk="1" latinLnBrk="0" hangingPunct="1">
+      <a:defRPr sz="1200" kern="1200">
+        <a:solidFill>
+          <a:schemeClr val="tx1"/>
+        </a:solidFill>
+        <a:latin typeface="+mn-lt"/>
+        <a:ea typeface="+mn-ea"/>
+        <a:cs typeface="+mn-cs"/>
+      </a:defRPr>
+    </a:lvl6pPr>
+    <a:lvl7pPr marL="2743200" algn="l" defTabSz="914400" rtl="0" eaLnBrk="1" latinLnBrk="0" hangingPunct="1">
+      <a:defRPr sz="1200" kern="1200">
+        <a:solidFill>
+          <a:schemeClr val="tx1"/>
+        </a:solidFill>
+        <a:latin typeface="+mn-lt"/>
+        <a:ea typeface="+mn-ea"/>
+        <a:cs typeface="+mn-cs"/>
+      </a:defRPr>
+    </a:lvl7pPr>
+    <a:lvl8pPr marL="3200400" algn="l" defTabSz="914400" rtl="0" eaLnBrk="1" latinLnBrk="0" hangingPunct="1">
+      <a:defRPr sz="1200" kern="1200">
+        <a:solidFill>
+          <a:schemeClr val="tx1"/>
+        </a:solidFill>
+        <a:latin typeface="+mn-lt"/>
+        <a:ea typeface="+mn-ea"/>
+        <a:cs typeface="+mn-cs"/>
+      </a:defRPr>
+    </a:lvl8pPr>
+    <a:lvl9pPr marL="3657600" algn="l" defTabSz="914400" rtl="0" eaLnBrk="1" latinLnBrk="0" hangingPunct="1">
+      <a:defRPr sz="1200" kern="1200">
+        <a:solidFill>
+          <a:schemeClr val="tx1"/>
+        </a:solidFill>
+        <a:latin typeface="+mn-lt"/>
+        <a:ea typeface="+mn-ea"/>
+        <a:cs typeface="+mn-cs"/>
+      </a:defRPr>
+    </a:lvl9pPr>
+  </p:notesStyle>
+</p:notesMaster>
 </file>
 
 <file path=ppt/slideLayouts/slideLayout1.xml><?xml version="1.0" encoding="utf-8"?>
@@ -13347,6 +13700,123 @@
     <p:extLst>
       <p:ext uri="{BB962C8B-B14F-4D97-AF65-F5344CB8AC3E}">
         <p14:creationId xmlns:p14="http://schemas.microsoft.com/office/powerpoint/2010/main" val="3165082880"/>
+      </p:ext>
+    </p:extLst>
+  </p:cSld>
+  <p:clrMapOvr>
+    <a:masterClrMapping/>
+  </p:clrMapOvr>
+</p:sld>
+</file>
+
+<file path=ppt/slides/slide10.xml><?xml version="1.0" encoding="utf-8"?>
+<p:sld xmlns:a="http://schemas.openxmlformats.org/drawingml/2006/main" xmlns:r="http://schemas.openxmlformats.org/officeDocument/2006/relationships" xmlns:p="http://schemas.openxmlformats.org/presentationml/2006/main">
+  <p:cSld>
+    <p:spTree>
+      <p:nvGrpSpPr>
+        <p:cNvPr id="1" name=""/>
+        <p:cNvGrpSpPr/>
+        <p:nvPr/>
+      </p:nvGrpSpPr>
+      <p:grpSpPr>
+        <a:xfrm>
+          <a:off x="0" y="0"/>
+          <a:ext cx="0" cy="0"/>
+          <a:chOff x="0" y="0"/>
+          <a:chExt cx="0" cy="0"/>
+        </a:xfrm>
+      </p:grpSpPr>
+      <p:sp>
+        <p:nvSpPr>
+          <p:cNvPr id="2" name="Title 1">
+            <a:extLst>
+              <a:ext uri="{FF2B5EF4-FFF2-40B4-BE49-F238E27FC236}">
+                <a16:creationId xmlns:a16="http://schemas.microsoft.com/office/drawing/2014/main" id="{86135670-70D6-4BFC-A43A-E10B9EF691B8}"/>
+              </a:ext>
+            </a:extLst>
+          </p:cNvPr>
+          <p:cNvSpPr>
+            <a:spLocks noGrp="1"/>
+          </p:cNvSpPr>
+          <p:nvPr>
+            <p:ph type="title"/>
+          </p:nvPr>
+        </p:nvSpPr>
+        <p:spPr/>
+        <p:txBody>
+          <a:bodyPr/>
+          <a:lstStyle/>
+          <a:p>
+            <a:r>
+              <a:rPr lang="en-US" dirty="0"/>
+              <a:t>Conclusion</a:t>
+            </a:r>
+          </a:p>
+        </p:txBody>
+      </p:sp>
+      <p:sp>
+        <p:nvSpPr>
+          <p:cNvPr id="3" name="Content Placeholder 2">
+            <a:extLst>
+              <a:ext uri="{FF2B5EF4-FFF2-40B4-BE49-F238E27FC236}">
+                <a16:creationId xmlns:a16="http://schemas.microsoft.com/office/drawing/2014/main" id="{C3139070-8154-4E7F-91A1-DCBB5F45463F}"/>
+              </a:ext>
+            </a:extLst>
+          </p:cNvPr>
+          <p:cNvSpPr>
+            <a:spLocks noGrp="1"/>
+          </p:cNvSpPr>
+          <p:nvPr>
+            <p:ph idx="1"/>
+          </p:nvPr>
+        </p:nvSpPr>
+        <p:spPr/>
+        <p:txBody>
+          <a:bodyPr/>
+          <a:lstStyle/>
+          <a:p>
+            <a:r>
+              <a:rPr lang="en-US" dirty="0"/>
+              <a:t>Germany, Brazil, and Spain have a combined 60% win rate.</a:t>
+            </a:r>
+          </a:p>
+          <a:p>
+            <a:r>
+              <a:rPr lang="en-US" dirty="0"/>
+              <a:t>Elo rating is not enough to predict win rate in a game like soccer.</a:t>
+            </a:r>
+          </a:p>
+          <a:p>
+            <a:r>
+              <a:rPr lang="en-US" dirty="0"/>
+              <a:t>“Rock, paper, scissors” syndrome. </a:t>
+            </a:r>
+          </a:p>
+          <a:p>
+            <a:r>
+              <a:rPr lang="en-US" dirty="0"/>
+              <a:t>Other important factors to take into consideration are:</a:t>
+            </a:r>
+          </a:p>
+          <a:p>
+            <a:pPr lvl="1"/>
+            <a:r>
+              <a:rPr lang="en-US" dirty="0"/>
+              <a:t>Past games played between teams, players involved, goals scored, home vs visiting.</a:t>
+            </a:r>
+          </a:p>
+          <a:p>
+            <a:r>
+              <a:rPr lang="en-US" dirty="0"/>
+              <a:t>This is sport, and upsets DO happen. Many models for the 2014 World Cup gave Brazil as the most likely winner. </a:t>
+            </a:r>
+          </a:p>
+        </p:txBody>
+      </p:sp>
+    </p:spTree>
+    <p:extLst>
+      <p:ext uri="{BB962C8B-B14F-4D97-AF65-F5344CB8AC3E}">
+        <p14:creationId xmlns:p14="http://schemas.microsoft.com/office/powerpoint/2010/main" val="2905751130"/>
       </p:ext>
     </p:extLst>
   </p:cSld>
@@ -15664,97 +16134,87 @@
           <a:chExt cx="0" cy="0"/>
         </a:xfrm>
       </p:grpSpPr>
-      <p:sp>
-        <p:nvSpPr>
-          <p:cNvPr id="2" name="Title 1">
+      <p:pic>
+        <p:nvPicPr>
+          <p:cNvPr id="2" name="Picture 2" descr="https://amp.businessinsider.com/images/5afd49be4c9ab969008b4ec3-750-975.jpg">
             <a:extLst>
               <a:ext uri="{FF2B5EF4-FFF2-40B4-BE49-F238E27FC236}">
-                <a16:creationId xmlns:a16="http://schemas.microsoft.com/office/drawing/2014/main" id="{86135670-70D6-4BFC-A43A-E10B9EF691B8}"/>
+                <a16:creationId xmlns:a16="http://schemas.microsoft.com/office/drawing/2014/main" id="{75FBA5F7-2DDC-4B6D-B29A-D43F182FA5FA}"/>
               </a:ext>
             </a:extLst>
           </p:cNvPr>
-          <p:cNvSpPr>
-            <a:spLocks noGrp="1"/>
-          </p:cNvSpPr>
-          <p:nvPr>
-            <p:ph type="title"/>
-          </p:nvPr>
-        </p:nvSpPr>
-        <p:spPr/>
-        <p:txBody>
-          <a:bodyPr/>
-          <a:lstStyle/>
-          <a:p>
-            <a:r>
-              <a:rPr lang="en-US" dirty="0"/>
-              <a:t>Conclusion</a:t>
-            </a:r>
-          </a:p>
-        </p:txBody>
-      </p:sp>
-      <p:sp>
-        <p:nvSpPr>
-          <p:cNvPr id="3" name="Content Placeholder 2">
+          <p:cNvPicPr>
+            <a:picLocks noChangeAspect="1" noChangeArrowheads="1"/>
+          </p:cNvPicPr>
+          <p:nvPr/>
+        </p:nvPicPr>
+        <p:blipFill>
+          <a:blip r:embed="rId2">
+            <a:extLst>
+              <a:ext uri="{28A0092B-C50C-407E-A947-70E740481C1C}">
+                <a14:useLocalDpi xmlns:a14="http://schemas.microsoft.com/office/drawing/2010/main" val="0"/>
+              </a:ext>
+            </a:extLst>
+          </a:blip>
+          <a:srcRect/>
+          <a:stretch>
+            <a:fillRect/>
+          </a:stretch>
+        </p:blipFill>
+        <p:spPr bwMode="auto">
+          <a:xfrm>
+            <a:off x="534744" y="0"/>
+            <a:ext cx="5275263" cy="6858000"/>
+          </a:xfrm>
+          <a:prstGeom prst="rect">
+            <a:avLst/>
+          </a:prstGeom>
+          <a:noFill/>
+          <a:extLst>
+            <a:ext uri="{909E8E84-426E-40DD-AFC4-6F175D3DCCD1}">
+              <a14:hiddenFill xmlns:a14="http://schemas.microsoft.com/office/drawing/2010/main">
+                <a:solidFill>
+                  <a:srgbClr val="FFFFFF"/>
+                </a:solidFill>
+              </a14:hiddenFill>
+            </a:ext>
+          </a:extLst>
+        </p:spPr>
+      </p:pic>
+      <p:pic>
+        <p:nvPicPr>
+          <p:cNvPr id="3" name="Picture 2">
             <a:extLst>
               <a:ext uri="{FF2B5EF4-FFF2-40B4-BE49-F238E27FC236}">
-                <a16:creationId xmlns:a16="http://schemas.microsoft.com/office/drawing/2014/main" id="{C3139070-8154-4E7F-91A1-DCBB5F45463F}"/>
+                <a16:creationId xmlns:a16="http://schemas.microsoft.com/office/drawing/2014/main" id="{731500EE-C7C0-475F-ACBB-7C4C722D915C}"/>
               </a:ext>
             </a:extLst>
           </p:cNvPr>
-          <p:cNvSpPr>
-            <a:spLocks noGrp="1"/>
-          </p:cNvSpPr>
-          <p:nvPr>
-            <p:ph idx="1"/>
-          </p:nvPr>
-        </p:nvSpPr>
-        <p:spPr/>
-        <p:txBody>
-          <a:bodyPr/>
-          <a:lstStyle/>
-          <a:p>
-            <a:r>
-              <a:rPr lang="en-US" dirty="0"/>
-              <a:t>Germany, Brazil, and Spain have a combined 60% win rate.</a:t>
-            </a:r>
-          </a:p>
-          <a:p>
-            <a:r>
-              <a:rPr lang="en-US" dirty="0"/>
-              <a:t>Elo rating is not enough to predict win rate in a game like soccer.</a:t>
-            </a:r>
-          </a:p>
-          <a:p>
-            <a:r>
-              <a:rPr lang="en-US" dirty="0"/>
-              <a:t>“Rock, paper, scissors” syndrome. </a:t>
-            </a:r>
-          </a:p>
-          <a:p>
-            <a:r>
-              <a:rPr lang="en-US" dirty="0"/>
-              <a:t>Other important factors to take into consideration are:</a:t>
-            </a:r>
-          </a:p>
-          <a:p>
-            <a:pPr lvl="1"/>
-            <a:r>
-              <a:rPr lang="en-US" dirty="0"/>
-              <a:t>Past games played between teams, players involved, goals scored, home vs visiting.</a:t>
-            </a:r>
-          </a:p>
-          <a:p>
-            <a:r>
-              <a:rPr lang="en-US" dirty="0"/>
-              <a:t>This is sport, and upsets DO happen. Many models for the 2014 World Cup gave Brazil as the most likely winner. </a:t>
-            </a:r>
-          </a:p>
-        </p:txBody>
-      </p:sp>
+          <p:cNvPicPr>
+            <a:picLocks noChangeAspect="1"/>
+          </p:cNvPicPr>
+          <p:nvPr/>
+        </p:nvPicPr>
+        <p:blipFill>
+          <a:blip r:embed="rId3"/>
+          <a:stretch>
+            <a:fillRect/>
+          </a:stretch>
+        </p:blipFill>
+        <p:spPr>
+          <a:xfrm>
+            <a:off x="5810007" y="0"/>
+            <a:ext cx="5339953" cy="6858000"/>
+          </a:xfrm>
+          <a:prstGeom prst="rect">
+            <a:avLst/>
+          </a:prstGeom>
+        </p:spPr>
+      </p:pic>
     </p:spTree>
     <p:extLst>
       <p:ext uri="{BB962C8B-B14F-4D97-AF65-F5344CB8AC3E}">
-        <p14:creationId xmlns:p14="http://schemas.microsoft.com/office/powerpoint/2010/main" val="2905751130"/>
+        <p14:creationId xmlns:p14="http://schemas.microsoft.com/office/powerpoint/2010/main" val="4203697307"/>
       </p:ext>
     </p:extLst>
   </p:cSld>
@@ -16026,4 +16486,299 @@
     </a:ext>
   </a:extLst>
 </a:theme>
+</file>
+
+<file path=ppt/theme/theme2.xml><?xml version="1.0" encoding="utf-8"?>
+<a:theme xmlns:a="http://schemas.openxmlformats.org/drawingml/2006/main" name="Office Theme">
+  <a:themeElements>
+    <a:clrScheme name="Office">
+      <a:dk1>
+        <a:sysClr val="windowText" lastClr="000000"/>
+      </a:dk1>
+      <a:lt1>
+        <a:sysClr val="window" lastClr="FFFFFF"/>
+      </a:lt1>
+      <a:dk2>
+        <a:srgbClr val="44546A"/>
+      </a:dk2>
+      <a:lt2>
+        <a:srgbClr val="E7E6E6"/>
+      </a:lt2>
+      <a:accent1>
+        <a:srgbClr val="4472C4"/>
+      </a:accent1>
+      <a:accent2>
+        <a:srgbClr val="ED7D31"/>
+      </a:accent2>
+      <a:accent3>
+        <a:srgbClr val="A5A5A5"/>
+      </a:accent3>
+      <a:accent4>
+        <a:srgbClr val="FFC000"/>
+      </a:accent4>
+      <a:accent5>
+        <a:srgbClr val="5B9BD5"/>
+      </a:accent5>
+      <a:accent6>
+        <a:srgbClr val="70AD47"/>
+      </a:accent6>
+      <a:hlink>
+        <a:srgbClr val="0563C1"/>
+      </a:hlink>
+      <a:folHlink>
+        <a:srgbClr val="954F72"/>
+      </a:folHlink>
+    </a:clrScheme>
+    <a:fontScheme name="Office">
+      <a:majorFont>
+        <a:latin typeface="Calibri Light" panose="020F0302020204030204"/>
+        <a:ea typeface=""/>
+        <a:cs typeface=""/>
+        <a:font script="Jpan" typeface="游ゴシック Light"/>
+        <a:font script="Hang" typeface="맑은 고딕"/>
+        <a:font script="Hans" typeface="等线 Light"/>
+        <a:font script="Hant" typeface="新細明體"/>
+        <a:font script="Arab" typeface="Times New Roman"/>
+        <a:font script="Hebr" typeface="Times New Roman"/>
+        <a:font script="Thai" typeface="Angsana New"/>
+        <a:font script="Ethi" typeface="Nyala"/>
+        <a:font script="Beng" typeface="Vrinda"/>
+        <a:font script="Gujr" typeface="Shruti"/>
+        <a:font script="Khmr" typeface="MoolBoran"/>
+        <a:font script="Knda" typeface="Tunga"/>
+        <a:font script="Guru" typeface="Raavi"/>
+        <a:font script="Cans" typeface="Euphemia"/>
+        <a:font script="Cher" typeface="Plantagenet Cherokee"/>
+        <a:font script="Yiii" typeface="Microsoft Yi Baiti"/>
+        <a:font script="Tibt" typeface="Microsoft Himalaya"/>
+        <a:font script="Thaa" typeface="MV Boli"/>
+        <a:font script="Deva" typeface="Mangal"/>
+        <a:font script="Telu" typeface="Gautami"/>
+        <a:font script="Taml" typeface="Latha"/>
+        <a:font script="Syrc" typeface="Estrangelo Edessa"/>
+        <a:font script="Orya" typeface="Kalinga"/>
+        <a:font script="Mlym" typeface="Kartika"/>
+        <a:font script="Laoo" typeface="DokChampa"/>
+        <a:font script="Sinh" typeface="Iskoola Pota"/>
+        <a:font script="Mong" typeface="Mongolian Baiti"/>
+        <a:font script="Viet" typeface="Times New Roman"/>
+        <a:font script="Uigh" typeface="Microsoft Uighur"/>
+        <a:font script="Geor" typeface="Sylfaen"/>
+        <a:font script="Armn" typeface="Arial"/>
+        <a:font script="Bugi" typeface="Leelawadee UI"/>
+        <a:font script="Bopo" typeface="Microsoft JhengHei"/>
+        <a:font script="Java" typeface="Javanese Text"/>
+        <a:font script="Lisu" typeface="Segoe UI"/>
+        <a:font script="Mymr" typeface="Myanmar Text"/>
+        <a:font script="Nkoo" typeface="Ebrima"/>
+        <a:font script="Olck" typeface="Nirmala UI"/>
+        <a:font script="Osma" typeface="Ebrima"/>
+        <a:font script="Phag" typeface="Phagspa"/>
+        <a:font script="Syrn" typeface="Estrangelo Edessa"/>
+        <a:font script="Syrj" typeface="Estrangelo Edessa"/>
+        <a:font script="Syre" typeface="Estrangelo Edessa"/>
+        <a:font script="Sora" typeface="Nirmala UI"/>
+        <a:font script="Tale" typeface="Microsoft Tai Le"/>
+        <a:font script="Talu" typeface="Microsoft New Tai Lue"/>
+        <a:font script="Tfng" typeface="Ebrima"/>
+      </a:majorFont>
+      <a:minorFont>
+        <a:latin typeface="Calibri" panose="020F0502020204030204"/>
+        <a:ea typeface=""/>
+        <a:cs typeface=""/>
+        <a:font script="Jpan" typeface="游ゴシック"/>
+        <a:font script="Hang" typeface="맑은 고딕"/>
+        <a:font script="Hans" typeface="等线"/>
+        <a:font script="Hant" typeface="新細明體"/>
+        <a:font script="Arab" typeface="Arial"/>
+        <a:font script="Hebr" typeface="Arial"/>
+        <a:font script="Thai" typeface="Cordia New"/>
+        <a:font script="Ethi" typeface="Nyala"/>
+        <a:font script="Beng" typeface="Vrinda"/>
+        <a:font script="Gujr" typeface="Shruti"/>
+        <a:font script="Khmr" typeface="DaunPenh"/>
+        <a:font script="Knda" typeface="Tunga"/>
+        <a:font script="Guru" typeface="Raavi"/>
+        <a:font script="Cans" typeface="Euphemia"/>
+        <a:font script="Cher" typeface="Plantagenet Cherokee"/>
+        <a:font script="Yiii" typeface="Microsoft Yi Baiti"/>
+        <a:font script="Tibt" typeface="Microsoft Himalaya"/>
+        <a:font script="Thaa" typeface="MV Boli"/>
+        <a:font script="Deva" typeface="Mangal"/>
+        <a:font script="Telu" typeface="Gautami"/>
+        <a:font script="Taml" typeface="Latha"/>
+        <a:font script="Syrc" typeface="Estrangelo Edessa"/>
+        <a:font script="Orya" typeface="Kalinga"/>
+        <a:font script="Mlym" typeface="Kartika"/>
+        <a:font script="Laoo" typeface="DokChampa"/>
+        <a:font script="Sinh" typeface="Iskoola Pota"/>
+        <a:font script="Mong" typeface="Mongolian Baiti"/>
+        <a:font script="Viet" typeface="Arial"/>
+        <a:font script="Uigh" typeface="Microsoft Uighur"/>
+        <a:font script="Geor" typeface="Sylfaen"/>
+        <a:font script="Armn" typeface="Arial"/>
+        <a:font script="Bugi" typeface="Leelawadee UI"/>
+        <a:font script="Bopo" typeface="Microsoft JhengHei"/>
+        <a:font script="Java" typeface="Javanese Text"/>
+        <a:font script="Lisu" typeface="Segoe UI"/>
+        <a:font script="Mymr" typeface="Myanmar Text"/>
+        <a:font script="Nkoo" typeface="Ebrima"/>
+        <a:font script="Olck" typeface="Nirmala UI"/>
+        <a:font script="Osma" typeface="Ebrima"/>
+        <a:font script="Phag" typeface="Phagspa"/>
+        <a:font script="Syrn" typeface="Estrangelo Edessa"/>
+        <a:font script="Syrj" typeface="Estrangelo Edessa"/>
+        <a:font script="Syre" typeface="Estrangelo Edessa"/>
+        <a:font script="Sora" typeface="Nirmala UI"/>
+        <a:font script="Tale" typeface="Microsoft Tai Le"/>
+        <a:font script="Talu" typeface="Microsoft New Tai Lue"/>
+        <a:font script="Tfng" typeface="Ebrima"/>
+      </a:minorFont>
+    </a:fontScheme>
+    <a:fmtScheme name="Office">
+      <a:fillStyleLst>
+        <a:solidFill>
+          <a:schemeClr val="phClr"/>
+        </a:solidFill>
+        <a:gradFill rotWithShape="1">
+          <a:gsLst>
+            <a:gs pos="0">
+              <a:schemeClr val="phClr">
+                <a:lumMod val="110000"/>
+                <a:satMod val="105000"/>
+                <a:tint val="67000"/>
+              </a:schemeClr>
+            </a:gs>
+            <a:gs pos="50000">
+              <a:schemeClr val="phClr">
+                <a:lumMod val="105000"/>
+                <a:satMod val="103000"/>
+                <a:tint val="73000"/>
+              </a:schemeClr>
+            </a:gs>
+            <a:gs pos="100000">
+              <a:schemeClr val="phClr">
+                <a:lumMod val="105000"/>
+                <a:satMod val="109000"/>
+                <a:tint val="81000"/>
+              </a:schemeClr>
+            </a:gs>
+          </a:gsLst>
+          <a:lin ang="5400000" scaled="0"/>
+        </a:gradFill>
+        <a:gradFill rotWithShape="1">
+          <a:gsLst>
+            <a:gs pos="0">
+              <a:schemeClr val="phClr">
+                <a:satMod val="103000"/>
+                <a:lumMod val="102000"/>
+                <a:tint val="94000"/>
+              </a:schemeClr>
+            </a:gs>
+            <a:gs pos="50000">
+              <a:schemeClr val="phClr">
+                <a:satMod val="110000"/>
+                <a:lumMod val="100000"/>
+                <a:shade val="100000"/>
+              </a:schemeClr>
+            </a:gs>
+            <a:gs pos="100000">
+              <a:schemeClr val="phClr">
+                <a:lumMod val="99000"/>
+                <a:satMod val="120000"/>
+                <a:shade val="78000"/>
+              </a:schemeClr>
+            </a:gs>
+          </a:gsLst>
+          <a:lin ang="5400000" scaled="0"/>
+        </a:gradFill>
+      </a:fillStyleLst>
+      <a:lnStyleLst>
+        <a:ln w="6350" cap="flat" cmpd="sng" algn="ctr">
+          <a:solidFill>
+            <a:schemeClr val="phClr"/>
+          </a:solidFill>
+          <a:prstDash val="solid"/>
+          <a:miter lim="800000"/>
+        </a:ln>
+        <a:ln w="12700" cap="flat" cmpd="sng" algn="ctr">
+          <a:solidFill>
+            <a:schemeClr val="phClr"/>
+          </a:solidFill>
+          <a:prstDash val="solid"/>
+          <a:miter lim="800000"/>
+        </a:ln>
+        <a:ln w="19050" cap="flat" cmpd="sng" algn="ctr">
+          <a:solidFill>
+            <a:schemeClr val="phClr"/>
+          </a:solidFill>
+          <a:prstDash val="solid"/>
+          <a:miter lim="800000"/>
+        </a:ln>
+      </a:lnStyleLst>
+      <a:effectStyleLst>
+        <a:effectStyle>
+          <a:effectLst/>
+        </a:effectStyle>
+        <a:effectStyle>
+          <a:effectLst/>
+        </a:effectStyle>
+        <a:effectStyle>
+          <a:effectLst>
+            <a:outerShdw blurRad="57150" dist="19050" dir="5400000" algn="ctr" rotWithShape="0">
+              <a:srgbClr val="000000">
+                <a:alpha val="63000"/>
+              </a:srgbClr>
+            </a:outerShdw>
+          </a:effectLst>
+        </a:effectStyle>
+      </a:effectStyleLst>
+      <a:bgFillStyleLst>
+        <a:solidFill>
+          <a:schemeClr val="phClr"/>
+        </a:solidFill>
+        <a:solidFill>
+          <a:schemeClr val="phClr">
+            <a:tint val="95000"/>
+            <a:satMod val="170000"/>
+          </a:schemeClr>
+        </a:solidFill>
+        <a:gradFill rotWithShape="1">
+          <a:gsLst>
+            <a:gs pos="0">
+              <a:schemeClr val="phClr">
+                <a:tint val="93000"/>
+                <a:satMod val="150000"/>
+                <a:shade val="98000"/>
+                <a:lumMod val="102000"/>
+              </a:schemeClr>
+            </a:gs>
+            <a:gs pos="50000">
+              <a:schemeClr val="phClr">
+                <a:tint val="98000"/>
+                <a:satMod val="130000"/>
+                <a:shade val="90000"/>
+                <a:lumMod val="103000"/>
+              </a:schemeClr>
+            </a:gs>
+            <a:gs pos="100000">
+              <a:schemeClr val="phClr">
+                <a:shade val="63000"/>
+                <a:satMod val="120000"/>
+              </a:schemeClr>
+            </a:gs>
+          </a:gsLst>
+          <a:lin ang="5400000" scaled="0"/>
+        </a:gradFill>
+      </a:bgFillStyleLst>
+    </a:fmtScheme>
+  </a:themeElements>
+  <a:objectDefaults/>
+  <a:extraClrSchemeLst/>
+  <a:extLst>
+    <a:ext uri="{05A4C25C-085E-4340-85A3-A5531E510DB2}">
+      <thm15:themeFamily xmlns:thm15="http://schemas.microsoft.com/office/thememl/2012/main" name="Office Theme" id="{62F939B6-93AF-4DB8-9C6B-D6C7DFDC589F}" vid="{4A3C46E8-61CC-4603-A589-7422A47A8E4A}"/>
+    </a:ext>
+  </a:extLst>
+</a:theme>
 </file>
--- a/MonteCarloWorldCup2018.pptx
+++ b/MonteCarloWorldCup2018.pptx
@@ -13789,7 +13789,7 @@
           <a:p>
             <a:r>
               <a:rPr lang="en-US" dirty="0"/>
-              <a:t>“Rock, paper, scissors” syndrome. </a:t>
+              <a:t>“Rock, paper, scissors” problem. </a:t>
             </a:r>
           </a:p>
           <a:p>
@@ -13808,7 +13808,15 @@
           <a:p>
             <a:r>
               <a:rPr lang="en-US" dirty="0"/>
-              <a:t>This is sport, and upsets DO happen. Many models for the 2014 World Cup gave Brazil as the most likely winner. </a:t>
+              <a:t>This </a:t>
+            </a:r>
+            <a:r>
+              <a:rPr lang="en-US"/>
+              <a:t>is sport and surprises </a:t>
+            </a:r>
+            <a:r>
+              <a:rPr lang="en-US" dirty="0"/>
+              <a:t>happen. Many models for the 2014 World Cup gave Brazil as the most likely winner. </a:t>
             </a:r>
           </a:p>
         </p:txBody>
@@ -14097,7 +14105,7 @@
             </a:r>
             <a:r>
               <a:rPr lang="en-US" dirty="0"/>
-              <a:t>in each group get selected to move to the round of 16. At this point the team that loses a game is eliminated. </a:t>
+              <a:t>in each group get selected to move to the round of 16. After this point, the team that loses a game is eliminated. </a:t>
             </a:r>
           </a:p>
           <a:p>
@@ -14319,17 +14327,17 @@
             </a:r>
             <a:r>
               <a:rPr lang="en-US" b="1" dirty="0"/>
-              <a:t>calculating the relative skill levels </a:t>
+              <a:t>calculating the relative skill levels of players</a:t>
             </a:r>
             <a:r>
               <a:rPr lang="en-US" dirty="0"/>
-              <a:t>of players in zero-sum games such as chess.</a:t>
+              <a:t> in zero-sum games such as chess.</a:t>
             </a:r>
           </a:p>
           <a:p>
             <a:r>
               <a:rPr lang="en-US" dirty="0"/>
-              <a:t>It has gained popularity as a rating system and now is used in competitive video games and sports. </a:t>
+              <a:t>It has gained popularity as a rating system and now is used in various competitive video games and sports. </a:t>
             </a:r>
           </a:p>
           <a:p>
